--- a/Template_Presentation_Students.pptx
+++ b/Template_Presentation_Students.pptx
@@ -2,7 +2,7 @@
 <file path=ppt/presentation.xml><?xml version="1.0" encoding="utf-8"?>
 <p:presentation xmlns:a="http://schemas.openxmlformats.org/drawingml/2006/main" xmlns:r="http://schemas.openxmlformats.org/officeDocument/2006/relationships" xmlns:p="http://schemas.openxmlformats.org/presentationml/2006/main">
   <p:sldMasterIdLst>
-    <p:sldMasterId id="2147483678" r:id="rId1"/>
+    <p:sldMasterId id="2147483702" r:id="rId1"/>
   </p:sldMasterIdLst>
   <p:sldIdLst>
     <p:sldId id="256" r:id="rId2"/>
@@ -116,7 +116,7 @@
   </p:defaultTextStyle>
   <p:extLst>
     <p:ext uri="{EFAFB233-063F-42B5-8137-9DF3F51BA10A}">
-      <p15:sldGuideLst xmlns:p15="http://schemas.microsoft.com/office/powerpoint/2012/main" xmlns="">
+      <p15:sldGuideLst xmlns="" xmlns:p15="http://schemas.microsoft.com/office/powerpoint/2012/main">
         <p15:guide id="1" orient="horz" pos="2880">
           <p15:clr>
             <a:srgbClr val="A4A3A4"/>
@@ -152,7 +152,7 @@
       </p:grpSpPr>
       <p:sp>
         <p:nvSpPr>
-          <p:cNvPr id="8" name="Title 7"/>
+          <p:cNvPr id="2" name="Title 1"/>
           <p:cNvSpPr>
             <a:spLocks noGrp="1"/>
           </p:cNvSpPr>
@@ -162,74 +162,144 @@
         </p:nvSpPr>
         <p:spPr>
           <a:xfrm>
-            <a:off x="562707" y="1371600"/>
-            <a:ext cx="10972800" cy="1828800"/>
+            <a:off x="914400" y="2130428"/>
+            <a:ext cx="10363200" cy="1470025"/>
           </a:xfrm>
         </p:spPr>
         <p:txBody>
-          <a:bodyPr vert="horz" lIns="45720" tIns="0" rIns="45720" bIns="0" anchor="b">
-            <a:normAutofit/>
-            <a:scene3d>
-              <a:camera prst="orthographicFront"/>
-              <a:lightRig rig="soft" dir="t">
-                <a:rot lat="0" lon="0" rev="17220000"/>
-              </a:lightRig>
-            </a:scene3d>
-            <a:sp3d prstMaterial="softEdge">
-              <a:bevelT w="38100" h="38100"/>
-            </a:sp3d>
-          </a:bodyPr>
+          <a:bodyPr/>
+          <a:lstStyle/>
+          <a:p>
+            <a:r>
+              <a:rPr lang="en-US" smtClean="0"/>
+              <a:t>Click to edit Master title style</a:t>
+            </a:r>
+            <a:endParaRPr lang="en-IN"/>
+          </a:p>
+        </p:txBody>
+      </p:sp>
+      <p:sp>
+        <p:nvSpPr>
+          <p:cNvPr id="3" name="Subtitle 2"/>
+          <p:cNvSpPr>
+            <a:spLocks noGrp="1"/>
+          </p:cNvSpPr>
+          <p:nvPr>
+            <p:ph type="subTitle" idx="1"/>
+          </p:nvPr>
+        </p:nvSpPr>
+        <p:spPr>
+          <a:xfrm>
+            <a:off x="1828800" y="3886200"/>
+            <a:ext cx="8534400" cy="1752600"/>
+          </a:xfrm>
+        </p:spPr>
+        <p:txBody>
+          <a:bodyPr/>
           <a:lstStyle>
-            <a:lvl1pPr>
-              <a:defRPr sz="4800" b="1" cap="all" baseline="0">
-                <a:ln w="6350">
-                  <a:noFill/>
-                </a:ln>
-                <a:gradFill>
-                  <a:gsLst>
-                    <a:gs pos="0">
-                      <a:schemeClr val="accent1">
-                        <a:tint val="73000"/>
-                        <a:satMod val="145000"/>
-                      </a:schemeClr>
-                    </a:gs>
-                    <a:gs pos="73000">
-                      <a:schemeClr val="accent1">
-                        <a:tint val="73000"/>
-                        <a:satMod val="145000"/>
-                      </a:schemeClr>
-                    </a:gs>
-                    <a:gs pos="100000">
-                      <a:schemeClr val="accent1">
-                        <a:tint val="83000"/>
-                        <a:satMod val="143000"/>
-                      </a:schemeClr>
-                    </a:gs>
-                  </a:gsLst>
-                  <a:lin ang="4800000" scaled="1"/>
-                </a:gradFill>
-                <a:effectLst>
-                  <a:outerShdw blurRad="127000" dist="200000" dir="2700000" algn="tl" rotWithShape="0">
-                    <a:srgbClr val="000000">
-                      <a:alpha val="30000"/>
-                    </a:srgbClr>
-                  </a:outerShdw>
-                </a:effectLst>
+            <a:lvl1pPr marL="0" indent="0" algn="ctr">
+              <a:buNone/>
+              <a:defRPr>
+                <a:solidFill>
+                  <a:schemeClr val="tx1">
+                    <a:tint val="75000"/>
+                  </a:schemeClr>
+                </a:solidFill>
               </a:defRPr>
             </a:lvl1pPr>
+            <a:lvl2pPr marL="457200" indent="0" algn="ctr">
+              <a:buNone/>
+              <a:defRPr>
+                <a:solidFill>
+                  <a:schemeClr val="tx1">
+                    <a:tint val="75000"/>
+                  </a:schemeClr>
+                </a:solidFill>
+              </a:defRPr>
+            </a:lvl2pPr>
+            <a:lvl3pPr marL="914400" indent="0" algn="ctr">
+              <a:buNone/>
+              <a:defRPr>
+                <a:solidFill>
+                  <a:schemeClr val="tx1">
+                    <a:tint val="75000"/>
+                  </a:schemeClr>
+                </a:solidFill>
+              </a:defRPr>
+            </a:lvl3pPr>
+            <a:lvl4pPr marL="1371600" indent="0" algn="ctr">
+              <a:buNone/>
+              <a:defRPr>
+                <a:solidFill>
+                  <a:schemeClr val="tx1">
+                    <a:tint val="75000"/>
+                  </a:schemeClr>
+                </a:solidFill>
+              </a:defRPr>
+            </a:lvl4pPr>
+            <a:lvl5pPr marL="1828800" indent="0" algn="ctr">
+              <a:buNone/>
+              <a:defRPr>
+                <a:solidFill>
+                  <a:schemeClr val="tx1">
+                    <a:tint val="75000"/>
+                  </a:schemeClr>
+                </a:solidFill>
+              </a:defRPr>
+            </a:lvl5pPr>
+            <a:lvl6pPr marL="2286000" indent="0" algn="ctr">
+              <a:buNone/>
+              <a:defRPr>
+                <a:solidFill>
+                  <a:schemeClr val="tx1">
+                    <a:tint val="75000"/>
+                  </a:schemeClr>
+                </a:solidFill>
+              </a:defRPr>
+            </a:lvl6pPr>
+            <a:lvl7pPr marL="2743200" indent="0" algn="ctr">
+              <a:buNone/>
+              <a:defRPr>
+                <a:solidFill>
+                  <a:schemeClr val="tx1">
+                    <a:tint val="75000"/>
+                  </a:schemeClr>
+                </a:solidFill>
+              </a:defRPr>
+            </a:lvl7pPr>
+            <a:lvl8pPr marL="3200400" indent="0" algn="ctr">
+              <a:buNone/>
+              <a:defRPr>
+                <a:solidFill>
+                  <a:schemeClr val="tx1">
+                    <a:tint val="75000"/>
+                  </a:schemeClr>
+                </a:solidFill>
+              </a:defRPr>
+            </a:lvl8pPr>
+            <a:lvl9pPr marL="3657600" indent="0" algn="ctr">
+              <a:buNone/>
+              <a:defRPr>
+                <a:solidFill>
+                  <a:schemeClr val="tx1">
+                    <a:tint val="75000"/>
+                  </a:schemeClr>
+                </a:solidFill>
+              </a:defRPr>
+            </a:lvl9pPr>
           </a:lstStyle>
           <a:p>
             <a:r>
-              <a:rPr kumimoji="0" lang="en-US" smtClean="0"/>
-              <a:t>Click to edit Master title style</a:t>
-            </a:r>
-            <a:endParaRPr kumimoji="0" lang="en-US"/>
-          </a:p>
-        </p:txBody>
-      </p:sp>
-      <p:sp>
-        <p:nvSpPr>
-          <p:cNvPr id="28" name="Date Placeholder 27"/>
+              <a:rPr lang="en-US" smtClean="0"/>
+              <a:t>Click to edit Master subtitle style</a:t>
+            </a:r>
+            <a:endParaRPr lang="en-IN"/>
+          </a:p>
+        </p:txBody>
+      </p:sp>
+      <p:sp>
+        <p:nvSpPr>
+          <p:cNvPr id="4" name="Date Placeholder 3"/>
           <p:cNvSpPr>
             <a:spLocks noGrp="1"/>
           </p:cNvSpPr>
@@ -252,7 +322,7 @@
       </p:sp>
       <p:sp>
         <p:nvSpPr>
-          <p:cNvPr id="17" name="Footer Placeholder 16"/>
+          <p:cNvPr id="5" name="Footer Placeholder 4"/>
           <p:cNvSpPr>
             <a:spLocks noGrp="1"/>
           </p:cNvSpPr>
@@ -271,7 +341,7 @@
       </p:sp>
       <p:sp>
         <p:nvSpPr>
-          <p:cNvPr id="29" name="Slide Number Placeholder 28"/>
+          <p:cNvPr id="6" name="Slide Number Placeholder 5"/>
           <p:cNvSpPr>
             <a:spLocks noGrp="1"/>
           </p:cNvSpPr>
@@ -300,68 +370,12 @@
           </a:p>
         </p:txBody>
       </p:sp>
-      <p:sp>
-        <p:nvSpPr>
-          <p:cNvPr id="9" name="Subtitle 8"/>
-          <p:cNvSpPr>
-            <a:spLocks noGrp="1"/>
-          </p:cNvSpPr>
-          <p:nvPr>
-            <p:ph type="subTitle" idx="1"/>
-          </p:nvPr>
-        </p:nvSpPr>
-        <p:spPr>
-          <a:xfrm>
-            <a:off x="1828800" y="3331698"/>
-            <a:ext cx="8534400" cy="1752600"/>
-          </a:xfrm>
-        </p:spPr>
-        <p:txBody>
-          <a:bodyPr/>
-          <a:lstStyle>
-            <a:lvl1pPr marL="0" indent="0" algn="ctr">
-              <a:buNone/>
-              <a:defRPr>
-                <a:solidFill>
-                  <a:schemeClr val="tx1"/>
-                </a:solidFill>
-              </a:defRPr>
-            </a:lvl1pPr>
-            <a:lvl2pPr marL="457200" indent="0" algn="ctr">
-              <a:buNone/>
-            </a:lvl2pPr>
-            <a:lvl3pPr marL="914400" indent="0" algn="ctr">
-              <a:buNone/>
-            </a:lvl3pPr>
-            <a:lvl4pPr marL="1371600" indent="0" algn="ctr">
-              <a:buNone/>
-            </a:lvl4pPr>
-            <a:lvl5pPr marL="1828800" indent="0" algn="ctr">
-              <a:buNone/>
-            </a:lvl5pPr>
-            <a:lvl6pPr marL="2286000" indent="0" algn="ctr">
-              <a:buNone/>
-            </a:lvl6pPr>
-            <a:lvl7pPr marL="2743200" indent="0" algn="ctr">
-              <a:buNone/>
-            </a:lvl7pPr>
-            <a:lvl8pPr marL="3200400" indent="0" algn="ctr">
-              <a:buNone/>
-            </a:lvl8pPr>
-            <a:lvl9pPr marL="3657600" indent="0" algn="ctr">
-              <a:buNone/>
-            </a:lvl9pPr>
-          </a:lstStyle>
-          <a:p>
-            <a:r>
-              <a:rPr kumimoji="0" lang="en-US" smtClean="0"/>
-              <a:t>Click to edit Master subtitle style</a:t>
-            </a:r>
-            <a:endParaRPr kumimoji="0" lang="en-US"/>
-          </a:p>
-        </p:txBody>
-      </p:sp>
     </p:spTree>
+    <p:extLst>
+      <p:ext uri="{BB962C8B-B14F-4D97-AF65-F5344CB8AC3E}">
+        <p14:creationId xmlns:p14="http://schemas.microsoft.com/office/powerpoint/2010/main" val="2554691250"/>
+      </p:ext>
+    </p:extLst>
   </p:cSld>
   <p:clrMapOvr>
     <a:masterClrMapping/>
@@ -402,10 +416,10 @@
           <a:lstStyle/>
           <a:p>
             <a:r>
-              <a:rPr kumimoji="0" lang="en-US" smtClean="0"/>
+              <a:rPr lang="en-US" smtClean="0"/>
               <a:t>Click to edit Master title style</a:t>
             </a:r>
-            <a:endParaRPr kumimoji="0" lang="en-US"/>
+            <a:endParaRPr lang="en-IN"/>
           </a:p>
         </p:txBody>
       </p:sp>
@@ -424,40 +438,40 @@
           <a:bodyPr vert="eaVert"/>
           <a:lstStyle/>
           <a:p>
-            <a:pPr lvl="0" eaLnBrk="1" latinLnBrk="0" hangingPunct="1"/>
+            <a:pPr lvl="0"/>
             <a:r>
               <a:rPr lang="en-US" smtClean="0"/>
               <a:t>Click to edit Master text styles</a:t>
             </a:r>
           </a:p>
           <a:p>
-            <a:pPr lvl="1" eaLnBrk="1" latinLnBrk="0" hangingPunct="1"/>
+            <a:pPr lvl="1"/>
             <a:r>
               <a:rPr lang="en-US" smtClean="0"/>
               <a:t>Second level</a:t>
             </a:r>
           </a:p>
           <a:p>
-            <a:pPr lvl="2" eaLnBrk="1" latinLnBrk="0" hangingPunct="1"/>
+            <a:pPr lvl="2"/>
             <a:r>
               <a:rPr lang="en-US" smtClean="0"/>
               <a:t>Third level</a:t>
             </a:r>
           </a:p>
           <a:p>
-            <a:pPr lvl="3" eaLnBrk="1" latinLnBrk="0" hangingPunct="1"/>
+            <a:pPr lvl="3"/>
             <a:r>
               <a:rPr lang="en-US" smtClean="0"/>
               <a:t>Fourth level</a:t>
             </a:r>
           </a:p>
           <a:p>
-            <a:pPr lvl="4" eaLnBrk="1" latinLnBrk="0" hangingPunct="1"/>
+            <a:pPr lvl="4"/>
             <a:r>
               <a:rPr lang="en-US" smtClean="0"/>
               <a:t>Fifth level</a:t>
             </a:r>
-            <a:endParaRPr kumimoji="0" lang="en-US"/>
+            <a:endParaRPr lang="en-IN"/>
           </a:p>
         </p:txBody>
       </p:sp>
@@ -535,6 +549,11 @@
         </p:txBody>
       </p:sp>
     </p:spTree>
+    <p:extLst>
+      <p:ext uri="{BB962C8B-B14F-4D97-AF65-F5344CB8AC3E}">
+        <p14:creationId xmlns:p14="http://schemas.microsoft.com/office/powerpoint/2010/main" val="2588087756"/>
+      </p:ext>
+    </p:extLst>
   </p:cSld>
   <p:clrMapOvr>
     <a:masterClrMapping/>
@@ -571,8 +590,8 @@
         </p:nvSpPr>
         <p:spPr>
           <a:xfrm>
-            <a:off x="8839200" y="274639"/>
-            <a:ext cx="2743200" cy="5851525"/>
+            <a:off x="11785600" y="274641"/>
+            <a:ext cx="3657600" cy="5851525"/>
           </a:xfrm>
         </p:spPr>
         <p:txBody>
@@ -580,10 +599,10 @@
           <a:lstStyle/>
           <a:p>
             <a:r>
-              <a:rPr kumimoji="0" lang="en-US" smtClean="0"/>
+              <a:rPr lang="en-US" smtClean="0"/>
               <a:t>Click to edit Master title style</a:t>
             </a:r>
-            <a:endParaRPr kumimoji="0" lang="en-US"/>
+            <a:endParaRPr lang="en-IN"/>
           </a:p>
         </p:txBody>
       </p:sp>
@@ -599,48 +618,48 @@
         </p:nvSpPr>
         <p:spPr>
           <a:xfrm>
-            <a:off x="609600" y="274639"/>
-            <a:ext cx="8026400" cy="5851525"/>
+            <a:off x="812800" y="274641"/>
+            <a:ext cx="10769600" cy="5851525"/>
           </a:xfrm>
         </p:spPr>
         <p:txBody>
           <a:bodyPr vert="eaVert"/>
           <a:lstStyle/>
           <a:p>
-            <a:pPr lvl="0" eaLnBrk="1" latinLnBrk="0" hangingPunct="1"/>
+            <a:pPr lvl="0"/>
             <a:r>
               <a:rPr lang="en-US" smtClean="0"/>
               <a:t>Click to edit Master text styles</a:t>
             </a:r>
           </a:p>
           <a:p>
-            <a:pPr lvl="1" eaLnBrk="1" latinLnBrk="0" hangingPunct="1"/>
+            <a:pPr lvl="1"/>
             <a:r>
               <a:rPr lang="en-US" smtClean="0"/>
               <a:t>Second level</a:t>
             </a:r>
           </a:p>
           <a:p>
-            <a:pPr lvl="2" eaLnBrk="1" latinLnBrk="0" hangingPunct="1"/>
+            <a:pPr lvl="2"/>
             <a:r>
               <a:rPr lang="en-US" smtClean="0"/>
               <a:t>Third level</a:t>
             </a:r>
           </a:p>
           <a:p>
-            <a:pPr lvl="3" eaLnBrk="1" latinLnBrk="0" hangingPunct="1"/>
+            <a:pPr lvl="3"/>
             <a:r>
               <a:rPr lang="en-US" smtClean="0"/>
               <a:t>Fourth level</a:t>
             </a:r>
           </a:p>
           <a:p>
-            <a:pPr lvl="4" eaLnBrk="1" latinLnBrk="0" hangingPunct="1"/>
+            <a:pPr lvl="4"/>
             <a:r>
               <a:rPr lang="en-US" smtClean="0"/>
               <a:t>Fifth level</a:t>
             </a:r>
-            <a:endParaRPr kumimoji="0" lang="en-US"/>
+            <a:endParaRPr lang="en-IN"/>
           </a:p>
         </p:txBody>
       </p:sp>
@@ -718,6 +737,11 @@
         </p:txBody>
       </p:sp>
     </p:spTree>
+    <p:extLst>
+      <p:ext uri="{BB962C8B-B14F-4D97-AF65-F5344CB8AC3E}">
+        <p14:creationId xmlns:p14="http://schemas.microsoft.com/office/powerpoint/2010/main" val="4290339306"/>
+      </p:ext>
+    </p:extLst>
   </p:cSld>
   <p:clrMapOvr>
     <a:masterClrMapping/>
@@ -758,10 +782,10 @@
           <a:lstStyle/>
           <a:p>
             <a:r>
-              <a:rPr kumimoji="0" lang="en-US" smtClean="0"/>
+              <a:rPr lang="en-US" smtClean="0"/>
               <a:t>Click to edit Master title style</a:t>
             </a:r>
-            <a:endParaRPr kumimoji="0" lang="en-US"/>
+            <a:endParaRPr lang="en-IN"/>
           </a:p>
         </p:txBody>
       </p:sp>
@@ -780,40 +804,40 @@
           <a:bodyPr/>
           <a:lstStyle/>
           <a:p>
-            <a:pPr lvl="0" eaLnBrk="1" latinLnBrk="0" hangingPunct="1"/>
+            <a:pPr lvl="0"/>
             <a:r>
               <a:rPr lang="en-US" smtClean="0"/>
               <a:t>Click to edit Master text styles</a:t>
             </a:r>
           </a:p>
           <a:p>
-            <a:pPr lvl="1" eaLnBrk="1" latinLnBrk="0" hangingPunct="1"/>
+            <a:pPr lvl="1"/>
             <a:r>
               <a:rPr lang="en-US" smtClean="0"/>
               <a:t>Second level</a:t>
             </a:r>
           </a:p>
           <a:p>
-            <a:pPr lvl="2" eaLnBrk="1" latinLnBrk="0" hangingPunct="1"/>
+            <a:pPr lvl="2"/>
             <a:r>
               <a:rPr lang="en-US" smtClean="0"/>
               <a:t>Third level</a:t>
             </a:r>
           </a:p>
           <a:p>
-            <a:pPr lvl="3" eaLnBrk="1" latinLnBrk="0" hangingPunct="1"/>
+            <a:pPr lvl="3"/>
             <a:r>
               <a:rPr lang="en-US" smtClean="0"/>
               <a:t>Fourth level</a:t>
             </a:r>
           </a:p>
           <a:p>
-            <a:pPr lvl="4" eaLnBrk="1" latinLnBrk="0" hangingPunct="1"/>
+            <a:pPr lvl="4"/>
             <a:r>
               <a:rPr lang="en-US" smtClean="0"/>
               <a:t>Fifth level</a:t>
             </a:r>
-            <a:endParaRPr kumimoji="0" lang="en-US"/>
+            <a:endParaRPr lang="en-IN"/>
           </a:p>
         </p:txBody>
       </p:sp>
@@ -891,6 +915,11 @@
         </p:txBody>
       </p:sp>
     </p:spTree>
+    <p:extLst>
+      <p:ext uri="{BB962C8B-B14F-4D97-AF65-F5344CB8AC3E}">
+        <p14:creationId xmlns:p14="http://schemas.microsoft.com/office/powerpoint/2010/main" val="1403645952"/>
+      </p:ext>
+    </p:extLst>
   </p:cSld>
   <p:clrMapOvr>
     <a:masterClrMapping/>
@@ -901,11 +930,6 @@
 <file path=ppt/slideLayouts/slideLayout3.xml><?xml version="1.0" encoding="utf-8"?>
 <p:sldLayout xmlns:a="http://schemas.openxmlformats.org/drawingml/2006/main" xmlns:r="http://schemas.openxmlformats.org/officeDocument/2006/relationships" xmlns:p="http://schemas.openxmlformats.org/presentationml/2006/main" type="secHead" preserve="1">
   <p:cSld name="Section Header">
-    <p:bg>
-      <p:bgRef idx="1003">
-        <a:schemeClr val="bg2"/>
-      </p:bgRef>
-    </p:bg>
     <p:spTree>
       <p:nvGrpSpPr>
         <p:cNvPr id="1" name=""/>
@@ -932,63 +956,23 @@
         </p:nvSpPr>
         <p:spPr>
           <a:xfrm>
-            <a:off x="2133600" y="609600"/>
-            <a:ext cx="9448800" cy="1828800"/>
+            <a:off x="963084" y="4406903"/>
+            <a:ext cx="10363200" cy="1362075"/>
           </a:xfrm>
         </p:spPr>
         <p:txBody>
-          <a:bodyPr vert="horz" bIns="0" anchor="b">
-            <a:noAutofit/>
-            <a:scene3d>
-              <a:camera prst="orthographicFront"/>
-              <a:lightRig rig="soft" dir="t">
-                <a:rot lat="0" lon="0" rev="17220000"/>
-              </a:lightRig>
-            </a:scene3d>
-            <a:sp3d prstMaterial="softEdge">
-              <a:bevelT w="38100" h="38100"/>
-              <a:contourClr>
-                <a:schemeClr val="tx2">
-                  <a:shade val="50000"/>
-                </a:schemeClr>
-              </a:contourClr>
-            </a:sp3d>
-          </a:bodyPr>
+          <a:bodyPr anchor="t"/>
           <a:lstStyle>
-            <a:lvl1pPr algn="l" rtl="0">
-              <a:spcBef>
-                <a:spcPct val="0"/>
-              </a:spcBef>
-              <a:buNone/>
-              <a:defRPr sz="4800" b="1" cap="none" baseline="0">
-                <a:ln w="6350">
-                  <a:noFill/>
-                </a:ln>
-                <a:solidFill>
-                  <a:schemeClr val="accent1">
-                    <a:tint val="90000"/>
-                    <a:satMod val="120000"/>
-                  </a:schemeClr>
-                </a:solidFill>
-                <a:effectLst>
-                  <a:outerShdw blurRad="114300" dist="101600" dir="2700000" algn="tl" rotWithShape="0">
-                    <a:srgbClr val="000000">
-                      <a:alpha val="40000"/>
-                    </a:srgbClr>
-                  </a:outerShdw>
-                </a:effectLst>
-                <a:latin typeface="+mj-lt"/>
-                <a:ea typeface="+mj-ea"/>
-                <a:cs typeface="+mj-cs"/>
-              </a:defRPr>
+            <a:lvl1pPr algn="l">
+              <a:defRPr sz="4000" b="1" cap="all"/>
             </a:lvl1pPr>
           </a:lstStyle>
           <a:p>
             <a:r>
-              <a:rPr kumimoji="0" lang="en-US" smtClean="0"/>
+              <a:rPr lang="en-US" smtClean="0"/>
               <a:t>Click to edit Master title style</a:t>
             </a:r>
-            <a:endParaRPr kumimoji="0" lang="en-US"/>
+            <a:endParaRPr lang="en-IN"/>
           </a:p>
         </p:txBody>
       </p:sp>
@@ -1004,52 +988,44 @@
         </p:nvSpPr>
         <p:spPr>
           <a:xfrm>
-            <a:off x="2133600" y="2507786"/>
-            <a:ext cx="9448800" cy="1509712"/>
+            <a:off x="963084" y="2906713"/>
+            <a:ext cx="10363200" cy="1500187"/>
           </a:xfrm>
         </p:spPr>
         <p:txBody>
-          <a:bodyPr anchor="t"/>
+          <a:bodyPr anchor="b"/>
           <a:lstStyle>
-            <a:lvl1pPr marL="73152" indent="0" algn="l">
+            <a:lvl1pPr marL="0" indent="0">
               <a:buNone/>
               <a:defRPr sz="2000">
-                <a:solidFill>
-                  <a:schemeClr val="tx1"/>
-                </a:solidFill>
-              </a:defRPr>
-            </a:lvl1pPr>
-            <a:lvl2pPr>
-              <a:buNone/>
-              <a:defRPr sz="1800">
                 <a:solidFill>
                   <a:schemeClr val="tx1">
                     <a:tint val="75000"/>
                   </a:schemeClr>
                 </a:solidFill>
               </a:defRPr>
-            </a:lvl2pPr>
-            <a:lvl3pPr>
+            </a:lvl1pPr>
+            <a:lvl2pPr marL="457200" indent="0">
               <a:buNone/>
-              <a:defRPr sz="1600">
+              <a:defRPr sz="1800">
                 <a:solidFill>
                   <a:schemeClr val="tx1">
                     <a:tint val="75000"/>
                   </a:schemeClr>
                 </a:solidFill>
               </a:defRPr>
-            </a:lvl3pPr>
-            <a:lvl4pPr>
+            </a:lvl2pPr>
+            <a:lvl3pPr marL="914400" indent="0">
               <a:buNone/>
-              <a:defRPr sz="1400">
+              <a:defRPr sz="1600">
                 <a:solidFill>
                   <a:schemeClr val="tx1">
                     <a:tint val="75000"/>
                   </a:schemeClr>
                 </a:solidFill>
               </a:defRPr>
-            </a:lvl4pPr>
-            <a:lvl5pPr>
+            </a:lvl3pPr>
+            <a:lvl4pPr marL="1371600" indent="0">
               <a:buNone/>
               <a:defRPr sz="1400">
                 <a:solidFill>
@@ -1058,12 +1034,62 @@
                   </a:schemeClr>
                 </a:solidFill>
               </a:defRPr>
+            </a:lvl4pPr>
+            <a:lvl5pPr marL="1828800" indent="0">
+              <a:buNone/>
+              <a:defRPr sz="1400">
+                <a:solidFill>
+                  <a:schemeClr val="tx1">
+                    <a:tint val="75000"/>
+                  </a:schemeClr>
+                </a:solidFill>
+              </a:defRPr>
             </a:lvl5pPr>
+            <a:lvl6pPr marL="2286000" indent="0">
+              <a:buNone/>
+              <a:defRPr sz="1400">
+                <a:solidFill>
+                  <a:schemeClr val="tx1">
+                    <a:tint val="75000"/>
+                  </a:schemeClr>
+                </a:solidFill>
+              </a:defRPr>
+            </a:lvl6pPr>
+            <a:lvl7pPr marL="2743200" indent="0">
+              <a:buNone/>
+              <a:defRPr sz="1400">
+                <a:solidFill>
+                  <a:schemeClr val="tx1">
+                    <a:tint val="75000"/>
+                  </a:schemeClr>
+                </a:solidFill>
+              </a:defRPr>
+            </a:lvl7pPr>
+            <a:lvl8pPr marL="3200400" indent="0">
+              <a:buNone/>
+              <a:defRPr sz="1400">
+                <a:solidFill>
+                  <a:schemeClr val="tx1">
+                    <a:tint val="75000"/>
+                  </a:schemeClr>
+                </a:solidFill>
+              </a:defRPr>
+            </a:lvl8pPr>
+            <a:lvl9pPr marL="3657600" indent="0">
+              <a:buNone/>
+              <a:defRPr sz="1400">
+                <a:solidFill>
+                  <a:schemeClr val="tx1">
+                    <a:tint val="75000"/>
+                  </a:schemeClr>
+                </a:solidFill>
+              </a:defRPr>
+            </a:lvl9pPr>
           </a:lstStyle>
           <a:p>
-            <a:pPr lvl="0" eaLnBrk="1" latinLnBrk="0" hangingPunct="1"/>
-            <a:r>
-              <a:rPr kumimoji="0" lang="en-US" smtClean="0"/>
+            <a:pPr lvl="0"/>
+            <a:r>
+              <a:rPr lang="en-US" smtClean="0"/>
               <a:t>Click to edit Master text styles</a:t>
             </a:r>
           </a:p>
@@ -1121,12 +1147,7 @@
             <p:ph type="sldNum" sz="quarter" idx="12"/>
           </p:nvPr>
         </p:nvSpPr>
-        <p:spPr>
-          <a:xfrm>
-            <a:off x="10566400" y="6416676"/>
-            <a:ext cx="1016000" cy="365125"/>
-          </a:xfrm>
-        </p:spPr>
+        <p:spPr/>
         <p:txBody>
           <a:bodyPr/>
           <a:lstStyle/>
@@ -1148,9 +1169,14 @@
         </p:txBody>
       </p:sp>
     </p:spTree>
+    <p:extLst>
+      <p:ext uri="{BB962C8B-B14F-4D97-AF65-F5344CB8AC3E}">
+        <p14:creationId xmlns:p14="http://schemas.microsoft.com/office/powerpoint/2010/main" val="2021295636"/>
+      </p:ext>
+    </p:extLst>
   </p:cSld>
   <p:clrMapOvr>
-    <a:overrideClrMapping bg1="dk1" tx1="lt1" bg2="dk2" tx2="lt2" accent1="accent1" accent2="accent2" accent3="accent3" accent4="accent4" accent5="accent5" accent6="accent6" hlink="hlink" folHlink="folHlink"/>
+    <a:masterClrMapping/>
   </p:clrMapOvr>
 </p:sldLayout>
 </file>
@@ -1188,10 +1214,10 @@
           <a:lstStyle/>
           <a:p>
             <a:r>
-              <a:rPr kumimoji="0" lang="en-US" smtClean="0"/>
+              <a:rPr lang="en-US" smtClean="0"/>
               <a:t>Click to edit Master title style</a:t>
             </a:r>
-            <a:endParaRPr kumimoji="0" lang="en-US"/>
+            <a:endParaRPr lang="en-IN"/>
           </a:p>
         </p:txBody>
       </p:sp>
@@ -1207,15 +1233,15 @@
         </p:nvSpPr>
         <p:spPr>
           <a:xfrm>
-            <a:off x="609600" y="1600201"/>
-            <a:ext cx="5384800" cy="4525963"/>
+            <a:off x="812800" y="1600203"/>
+            <a:ext cx="7213600" cy="4525963"/>
           </a:xfrm>
         </p:spPr>
         <p:txBody>
           <a:bodyPr/>
           <a:lstStyle>
             <a:lvl1pPr>
-              <a:defRPr sz="2600"/>
+              <a:defRPr sz="2800"/>
             </a:lvl1pPr>
             <a:lvl2pPr>
               <a:defRPr sz="2400"/>
@@ -1229,42 +1255,54 @@
             <a:lvl5pPr>
               <a:defRPr sz="1800"/>
             </a:lvl5pPr>
+            <a:lvl6pPr>
+              <a:defRPr sz="1800"/>
+            </a:lvl6pPr>
+            <a:lvl7pPr>
+              <a:defRPr sz="1800"/>
+            </a:lvl7pPr>
+            <a:lvl8pPr>
+              <a:defRPr sz="1800"/>
+            </a:lvl8pPr>
+            <a:lvl9pPr>
+              <a:defRPr sz="1800"/>
+            </a:lvl9pPr>
           </a:lstStyle>
           <a:p>
-            <a:pPr lvl="0" eaLnBrk="1" latinLnBrk="0" hangingPunct="1"/>
+            <a:pPr lvl="0"/>
             <a:r>
               <a:rPr lang="en-US" smtClean="0"/>
               <a:t>Click to edit Master text styles</a:t>
             </a:r>
           </a:p>
           <a:p>
-            <a:pPr lvl="1" eaLnBrk="1" latinLnBrk="0" hangingPunct="1"/>
+            <a:pPr lvl="1"/>
             <a:r>
               <a:rPr lang="en-US" smtClean="0"/>
               <a:t>Second level</a:t>
             </a:r>
           </a:p>
           <a:p>
-            <a:pPr lvl="2" eaLnBrk="1" latinLnBrk="0" hangingPunct="1"/>
+            <a:pPr lvl="2"/>
             <a:r>
               <a:rPr lang="en-US" smtClean="0"/>
               <a:t>Third level</a:t>
             </a:r>
           </a:p>
           <a:p>
-            <a:pPr lvl="3" eaLnBrk="1" latinLnBrk="0" hangingPunct="1"/>
+            <a:pPr lvl="3"/>
             <a:r>
               <a:rPr lang="en-US" smtClean="0"/>
               <a:t>Fourth level</a:t>
             </a:r>
           </a:p>
           <a:p>
-            <a:pPr lvl="4" eaLnBrk="1" latinLnBrk="0" hangingPunct="1"/>
+            <a:pPr lvl="4"/>
             <a:r>
               <a:rPr lang="en-US" smtClean="0"/>
               <a:t>Fifth level</a:t>
             </a:r>
-            <a:endParaRPr kumimoji="0" lang="en-US"/>
+            <a:endParaRPr lang="en-IN"/>
           </a:p>
         </p:txBody>
       </p:sp>
@@ -1280,15 +1318,15 @@
         </p:nvSpPr>
         <p:spPr>
           <a:xfrm>
-            <a:off x="6197600" y="1600201"/>
-            <a:ext cx="5384800" cy="4525963"/>
+            <a:off x="8229600" y="1600203"/>
+            <a:ext cx="7213600" cy="4525963"/>
           </a:xfrm>
         </p:spPr>
         <p:txBody>
           <a:bodyPr/>
           <a:lstStyle>
             <a:lvl1pPr>
-              <a:defRPr sz="2600"/>
+              <a:defRPr sz="2800"/>
             </a:lvl1pPr>
             <a:lvl2pPr>
               <a:defRPr sz="2400"/>
@@ -1302,42 +1340,54 @@
             <a:lvl5pPr>
               <a:defRPr sz="1800"/>
             </a:lvl5pPr>
+            <a:lvl6pPr>
+              <a:defRPr sz="1800"/>
+            </a:lvl6pPr>
+            <a:lvl7pPr>
+              <a:defRPr sz="1800"/>
+            </a:lvl7pPr>
+            <a:lvl8pPr>
+              <a:defRPr sz="1800"/>
+            </a:lvl8pPr>
+            <a:lvl9pPr>
+              <a:defRPr sz="1800"/>
+            </a:lvl9pPr>
           </a:lstStyle>
           <a:p>
-            <a:pPr lvl="0" eaLnBrk="1" latinLnBrk="0" hangingPunct="1"/>
+            <a:pPr lvl="0"/>
             <a:r>
               <a:rPr lang="en-US" smtClean="0"/>
               <a:t>Click to edit Master text styles</a:t>
             </a:r>
           </a:p>
           <a:p>
-            <a:pPr lvl="1" eaLnBrk="1" latinLnBrk="0" hangingPunct="1"/>
+            <a:pPr lvl="1"/>
             <a:r>
               <a:rPr lang="en-US" smtClean="0"/>
               <a:t>Second level</a:t>
             </a:r>
           </a:p>
           <a:p>
-            <a:pPr lvl="2" eaLnBrk="1" latinLnBrk="0" hangingPunct="1"/>
+            <a:pPr lvl="2"/>
             <a:r>
               <a:rPr lang="en-US" smtClean="0"/>
               <a:t>Third level</a:t>
             </a:r>
           </a:p>
           <a:p>
-            <a:pPr lvl="3" eaLnBrk="1" latinLnBrk="0" hangingPunct="1"/>
+            <a:pPr lvl="3"/>
             <a:r>
               <a:rPr lang="en-US" smtClean="0"/>
               <a:t>Fourth level</a:t>
             </a:r>
           </a:p>
           <a:p>
-            <a:pPr lvl="4" eaLnBrk="1" latinLnBrk="0" hangingPunct="1"/>
+            <a:pPr lvl="4"/>
             <a:r>
               <a:rPr lang="en-US" smtClean="0"/>
               <a:t>Fifth level</a:t>
             </a:r>
-            <a:endParaRPr kumimoji="0" lang="en-US"/>
+            <a:endParaRPr lang="en-IN"/>
           </a:p>
         </p:txBody>
       </p:sp>
@@ -1415,6 +1465,11 @@
         </p:txBody>
       </p:sp>
     </p:spTree>
+    <p:extLst>
+      <p:ext uri="{BB962C8B-B14F-4D97-AF65-F5344CB8AC3E}">
+        <p14:creationId xmlns:p14="http://schemas.microsoft.com/office/powerpoint/2010/main" val="2272877948"/>
+      </p:ext>
+    </p:extLst>
   </p:cSld>
   <p:clrMapOvr>
     <a:masterClrMapping/>
@@ -1451,12 +1506,12 @@
         </p:nvSpPr>
         <p:spPr>
           <a:xfrm>
-            <a:off x="609600" y="273050"/>
+            <a:off x="609600" y="274638"/>
             <a:ext cx="10972800" cy="1143000"/>
           </a:xfrm>
         </p:spPr>
         <p:txBody>
-          <a:bodyPr anchor="ctr"/>
+          <a:bodyPr/>
           <a:lstStyle>
             <a:lvl1pPr>
               <a:defRPr/>
@@ -1464,10 +1519,10 @@
           </a:lstStyle>
           <a:p>
             <a:r>
-              <a:rPr kumimoji="0" lang="en-US" smtClean="0"/>
+              <a:rPr lang="en-US" smtClean="0"/>
               <a:t>Click to edit Master title style</a:t>
             </a:r>
-            <a:endParaRPr kumimoji="0" lang="en-US"/>
+            <a:endParaRPr lang="en-IN"/>
           </a:p>
         </p:txBody>
       </p:sp>
@@ -1484,41 +1539,53 @@
         <p:spPr>
           <a:xfrm>
             <a:off x="609600" y="1535113"/>
-            <a:ext cx="5386917" cy="750887"/>
+            <a:ext cx="5386917" cy="639762"/>
           </a:xfrm>
         </p:spPr>
         <p:txBody>
-          <a:bodyPr anchor="ctr"/>
+          <a:bodyPr anchor="b"/>
           <a:lstStyle>
             <a:lvl1pPr marL="0" indent="0">
               <a:buNone/>
-              <a:defRPr sz="2400" b="0" cap="all" baseline="0">
-                <a:solidFill>
-                  <a:schemeClr val="tx1"/>
-                </a:solidFill>
-              </a:defRPr>
+              <a:defRPr sz="2400" b="1"/>
             </a:lvl1pPr>
-            <a:lvl2pPr>
+            <a:lvl2pPr marL="457200" indent="0">
               <a:buNone/>
               <a:defRPr sz="2000" b="1"/>
             </a:lvl2pPr>
-            <a:lvl3pPr>
+            <a:lvl3pPr marL="914400" indent="0">
               <a:buNone/>
               <a:defRPr sz="1800" b="1"/>
             </a:lvl3pPr>
-            <a:lvl4pPr>
+            <a:lvl4pPr marL="1371600" indent="0">
               <a:buNone/>
               <a:defRPr sz="1600" b="1"/>
             </a:lvl4pPr>
-            <a:lvl5pPr>
+            <a:lvl5pPr marL="1828800" indent="0">
               <a:buNone/>
               <a:defRPr sz="1600" b="1"/>
             </a:lvl5pPr>
+            <a:lvl6pPr marL="2286000" indent="0">
+              <a:buNone/>
+              <a:defRPr sz="1600" b="1"/>
+            </a:lvl6pPr>
+            <a:lvl7pPr marL="2743200" indent="0">
+              <a:buNone/>
+              <a:defRPr sz="1600" b="1"/>
+            </a:lvl7pPr>
+            <a:lvl8pPr marL="3200400" indent="0">
+              <a:buNone/>
+              <a:defRPr sz="1600" b="1"/>
+            </a:lvl8pPr>
+            <a:lvl9pPr marL="3657600" indent="0">
+              <a:buNone/>
+              <a:defRPr sz="1600" b="1"/>
+            </a:lvl9pPr>
           </a:lstStyle>
           <a:p>
-            <a:pPr lvl="0" eaLnBrk="1" latinLnBrk="0" hangingPunct="1"/>
-            <a:r>
-              <a:rPr kumimoji="0" lang="en-US" smtClean="0"/>
+            <a:pPr lvl="0"/>
+            <a:r>
+              <a:rPr lang="en-US" smtClean="0"/>
               <a:t>Click to edit Master text styles</a:t>
             </a:r>
           </a:p>
@@ -1526,71 +1593,18 @@
       </p:sp>
       <p:sp>
         <p:nvSpPr>
-          <p:cNvPr id="4" name="Text Placeholder 3"/>
+          <p:cNvPr id="4" name="Content Placeholder 3"/>
           <p:cNvSpPr>
             <a:spLocks noGrp="1"/>
           </p:cNvSpPr>
           <p:nvPr>
-            <p:ph type="body" sz="half" idx="3"/>
+            <p:ph sz="half" idx="2"/>
           </p:nvPr>
         </p:nvSpPr>
         <p:spPr>
           <a:xfrm>
-            <a:off x="6193368" y="1535113"/>
-            <a:ext cx="5389033" cy="750887"/>
-          </a:xfrm>
-        </p:spPr>
-        <p:txBody>
-          <a:bodyPr anchor="ctr"/>
-          <a:lstStyle>
-            <a:lvl1pPr marL="0" indent="0">
-              <a:buNone/>
-              <a:defRPr sz="2400" b="0" cap="all" baseline="0">
-                <a:solidFill>
-                  <a:schemeClr val="tx1"/>
-                </a:solidFill>
-              </a:defRPr>
-            </a:lvl1pPr>
-            <a:lvl2pPr>
-              <a:buNone/>
-              <a:defRPr sz="2000" b="1"/>
-            </a:lvl2pPr>
-            <a:lvl3pPr>
-              <a:buNone/>
-              <a:defRPr sz="1800" b="1"/>
-            </a:lvl3pPr>
-            <a:lvl4pPr>
-              <a:buNone/>
-              <a:defRPr sz="1600" b="1"/>
-            </a:lvl4pPr>
-            <a:lvl5pPr>
-              <a:buNone/>
-              <a:defRPr sz="1600" b="1"/>
-            </a:lvl5pPr>
-          </a:lstStyle>
-          <a:p>
-            <a:pPr lvl="0" eaLnBrk="1" latinLnBrk="0" hangingPunct="1"/>
-            <a:r>
-              <a:rPr kumimoji="0" lang="en-US" smtClean="0"/>
-              <a:t>Click to edit Master text styles</a:t>
-            </a:r>
-          </a:p>
-        </p:txBody>
-      </p:sp>
-      <p:sp>
-        <p:nvSpPr>
-          <p:cNvPr id="5" name="Content Placeholder 4"/>
-          <p:cNvSpPr>
-            <a:spLocks noGrp="1"/>
-          </p:cNvSpPr>
-          <p:nvPr>
-            <p:ph sz="quarter" idx="2"/>
-          </p:nvPr>
-        </p:nvSpPr>
-        <p:spPr>
-          <a:xfrm>
-            <a:off x="609600" y="2362201"/>
-            <a:ext cx="5386917" cy="3763963"/>
+            <a:off x="609600" y="2174875"/>
+            <a:ext cx="5386917" cy="3951288"/>
           </a:xfrm>
         </p:spPr>
         <p:txBody>
@@ -1611,42 +1625,119 @@
             <a:lvl5pPr>
               <a:defRPr sz="1600"/>
             </a:lvl5pPr>
+            <a:lvl6pPr>
+              <a:defRPr sz="1600"/>
+            </a:lvl6pPr>
+            <a:lvl7pPr>
+              <a:defRPr sz="1600"/>
+            </a:lvl7pPr>
+            <a:lvl8pPr>
+              <a:defRPr sz="1600"/>
+            </a:lvl8pPr>
+            <a:lvl9pPr>
+              <a:defRPr sz="1600"/>
+            </a:lvl9pPr>
           </a:lstStyle>
           <a:p>
-            <a:pPr lvl="0" eaLnBrk="1" latinLnBrk="0" hangingPunct="1"/>
+            <a:pPr lvl="0"/>
             <a:r>
               <a:rPr lang="en-US" smtClean="0"/>
               <a:t>Click to edit Master text styles</a:t>
             </a:r>
           </a:p>
           <a:p>
-            <a:pPr lvl="1" eaLnBrk="1" latinLnBrk="0" hangingPunct="1"/>
+            <a:pPr lvl="1"/>
             <a:r>
               <a:rPr lang="en-US" smtClean="0"/>
               <a:t>Second level</a:t>
             </a:r>
           </a:p>
           <a:p>
-            <a:pPr lvl="2" eaLnBrk="1" latinLnBrk="0" hangingPunct="1"/>
+            <a:pPr lvl="2"/>
             <a:r>
               <a:rPr lang="en-US" smtClean="0"/>
               <a:t>Third level</a:t>
             </a:r>
           </a:p>
           <a:p>
-            <a:pPr lvl="3" eaLnBrk="1" latinLnBrk="0" hangingPunct="1"/>
+            <a:pPr lvl="3"/>
             <a:r>
               <a:rPr lang="en-US" smtClean="0"/>
               <a:t>Fourth level</a:t>
             </a:r>
           </a:p>
           <a:p>
-            <a:pPr lvl="4" eaLnBrk="1" latinLnBrk="0" hangingPunct="1"/>
+            <a:pPr lvl="4"/>
             <a:r>
               <a:rPr lang="en-US" smtClean="0"/>
               <a:t>Fifth level</a:t>
             </a:r>
-            <a:endParaRPr kumimoji="0" lang="en-US"/>
+            <a:endParaRPr lang="en-IN"/>
+          </a:p>
+        </p:txBody>
+      </p:sp>
+      <p:sp>
+        <p:nvSpPr>
+          <p:cNvPr id="5" name="Text Placeholder 4"/>
+          <p:cNvSpPr>
+            <a:spLocks noGrp="1"/>
+          </p:cNvSpPr>
+          <p:nvPr>
+            <p:ph type="body" sz="quarter" idx="3"/>
+          </p:nvPr>
+        </p:nvSpPr>
+        <p:spPr>
+          <a:xfrm>
+            <a:off x="6193369" y="1535113"/>
+            <a:ext cx="5389033" cy="639762"/>
+          </a:xfrm>
+        </p:spPr>
+        <p:txBody>
+          <a:bodyPr anchor="b"/>
+          <a:lstStyle>
+            <a:lvl1pPr marL="0" indent="0">
+              <a:buNone/>
+              <a:defRPr sz="2400" b="1"/>
+            </a:lvl1pPr>
+            <a:lvl2pPr marL="457200" indent="0">
+              <a:buNone/>
+              <a:defRPr sz="2000" b="1"/>
+            </a:lvl2pPr>
+            <a:lvl3pPr marL="914400" indent="0">
+              <a:buNone/>
+              <a:defRPr sz="1800" b="1"/>
+            </a:lvl3pPr>
+            <a:lvl4pPr marL="1371600" indent="0">
+              <a:buNone/>
+              <a:defRPr sz="1600" b="1"/>
+            </a:lvl4pPr>
+            <a:lvl5pPr marL="1828800" indent="0">
+              <a:buNone/>
+              <a:defRPr sz="1600" b="1"/>
+            </a:lvl5pPr>
+            <a:lvl6pPr marL="2286000" indent="0">
+              <a:buNone/>
+              <a:defRPr sz="1600" b="1"/>
+            </a:lvl6pPr>
+            <a:lvl7pPr marL="2743200" indent="0">
+              <a:buNone/>
+              <a:defRPr sz="1600" b="1"/>
+            </a:lvl7pPr>
+            <a:lvl8pPr marL="3200400" indent="0">
+              <a:buNone/>
+              <a:defRPr sz="1600" b="1"/>
+            </a:lvl8pPr>
+            <a:lvl9pPr marL="3657600" indent="0">
+              <a:buNone/>
+              <a:defRPr sz="1600" b="1"/>
+            </a:lvl9pPr>
+          </a:lstStyle>
+          <a:p>
+            <a:pPr lvl="0"/>
+            <a:r>
+              <a:rPr lang="en-US" smtClean="0"/>
+              <a:t>Click to edit Master text styles</a:t>
+            </a:r>
           </a:p>
         </p:txBody>
       </p:sp>
@@ -1662,8 +1753,8 @@
         </p:nvSpPr>
         <p:spPr>
           <a:xfrm>
-            <a:off x="6193368" y="2362201"/>
-            <a:ext cx="5389033" cy="3763963"/>
+            <a:off x="6193369" y="2174875"/>
+            <a:ext cx="5389033" cy="3951288"/>
           </a:xfrm>
         </p:spPr>
         <p:txBody>
@@ -1684,42 +1775,54 @@
             <a:lvl5pPr>
               <a:defRPr sz="1600"/>
             </a:lvl5pPr>
+            <a:lvl6pPr>
+              <a:defRPr sz="1600"/>
+            </a:lvl6pPr>
+            <a:lvl7pPr>
+              <a:defRPr sz="1600"/>
+            </a:lvl7pPr>
+            <a:lvl8pPr>
+              <a:defRPr sz="1600"/>
+            </a:lvl8pPr>
+            <a:lvl9pPr>
+              <a:defRPr sz="1600"/>
+            </a:lvl9pPr>
           </a:lstStyle>
           <a:p>
-            <a:pPr lvl="0" eaLnBrk="1" latinLnBrk="0" hangingPunct="1"/>
+            <a:pPr lvl="0"/>
             <a:r>
               <a:rPr lang="en-US" smtClean="0"/>
               <a:t>Click to edit Master text styles</a:t>
             </a:r>
           </a:p>
           <a:p>
-            <a:pPr lvl="1" eaLnBrk="1" latinLnBrk="0" hangingPunct="1"/>
+            <a:pPr lvl="1"/>
             <a:r>
               <a:rPr lang="en-US" smtClean="0"/>
               <a:t>Second level</a:t>
             </a:r>
           </a:p>
           <a:p>
-            <a:pPr lvl="2" eaLnBrk="1" latinLnBrk="0" hangingPunct="1"/>
+            <a:pPr lvl="2"/>
             <a:r>
               <a:rPr lang="en-US" smtClean="0"/>
               <a:t>Third level</a:t>
             </a:r>
           </a:p>
           <a:p>
-            <a:pPr lvl="3" eaLnBrk="1" latinLnBrk="0" hangingPunct="1"/>
+            <a:pPr lvl="3"/>
             <a:r>
               <a:rPr lang="en-US" smtClean="0"/>
               <a:t>Fourth level</a:t>
             </a:r>
           </a:p>
           <a:p>
-            <a:pPr lvl="4" eaLnBrk="1" latinLnBrk="0" hangingPunct="1"/>
+            <a:pPr lvl="4"/>
             <a:r>
               <a:rPr lang="en-US" smtClean="0"/>
               <a:t>Fifth level</a:t>
             </a:r>
-            <a:endParaRPr kumimoji="0" lang="en-US"/>
+            <a:endParaRPr lang="en-IN"/>
           </a:p>
         </p:txBody>
       </p:sp>
@@ -1797,6 +1900,11 @@
         </p:txBody>
       </p:sp>
     </p:spTree>
+    <p:extLst>
+      <p:ext uri="{BB962C8B-B14F-4D97-AF65-F5344CB8AC3E}">
+        <p14:creationId xmlns:p14="http://schemas.microsoft.com/office/powerpoint/2010/main" val="3053692123"/>
+      </p:ext>
+    </p:extLst>
   </p:cSld>
   <p:clrMapOvr>
     <a:masterClrMapping/>
@@ -1837,10 +1945,10 @@
           <a:lstStyle/>
           <a:p>
             <a:r>
-              <a:rPr kumimoji="0" lang="en-US" smtClean="0"/>
+              <a:rPr lang="en-US" smtClean="0"/>
               <a:t>Click to edit Master title style</a:t>
             </a:r>
-            <a:endParaRPr kumimoji="0" lang="en-US"/>
+            <a:endParaRPr lang="en-IN"/>
           </a:p>
         </p:txBody>
       </p:sp>
@@ -1918,6 +2026,11 @@
         </p:txBody>
       </p:sp>
     </p:spTree>
+    <p:extLst>
+      <p:ext uri="{BB962C8B-B14F-4D97-AF65-F5344CB8AC3E}">
+        <p14:creationId xmlns:p14="http://schemas.microsoft.com/office/powerpoint/2010/main" val="185486696"/>
+      </p:ext>
+    </p:extLst>
   </p:cSld>
   <p:clrMapOvr>
     <a:masterClrMapping/>
@@ -2016,6 +2129,11 @@
         </p:txBody>
       </p:sp>
     </p:spTree>
+    <p:extLst>
+      <p:ext uri="{BB962C8B-B14F-4D97-AF65-F5344CB8AC3E}">
+        <p14:creationId xmlns:p14="http://schemas.microsoft.com/office/powerpoint/2010/main" val="305055022"/>
+      </p:ext>
+    </p:extLst>
   </p:cSld>
   <p:clrMapOvr>
     <a:masterClrMapping/>
@@ -2052,54 +2170,125 @@
         </p:nvSpPr>
         <p:spPr>
           <a:xfrm>
-            <a:off x="609601" y="273050"/>
+            <a:off x="609602" y="273050"/>
             <a:ext cx="4011084" cy="1162050"/>
           </a:xfrm>
         </p:spPr>
         <p:txBody>
-          <a:bodyPr vert="horz" anchor="b">
-            <a:normAutofit/>
-            <a:sp3d prstMaterial="softEdge"/>
-          </a:bodyPr>
+          <a:bodyPr anchor="b"/>
           <a:lstStyle>
             <a:lvl1pPr algn="l">
-              <a:buNone/>
-              <a:defRPr sz="2200" b="0">
-                <a:ln w="6350">
-                  <a:noFill/>
-                </a:ln>
-                <a:solidFill>
-                  <a:schemeClr val="accent1">
-                    <a:tint val="73000"/>
-                    <a:satMod val="180000"/>
-                  </a:schemeClr>
-                </a:solidFill>
-              </a:defRPr>
+              <a:defRPr sz="2000" b="1"/>
             </a:lvl1pPr>
           </a:lstStyle>
           <a:p>
             <a:r>
-              <a:rPr kumimoji="0" lang="en-US" smtClean="0"/>
+              <a:rPr lang="en-US" smtClean="0"/>
               <a:t>Click to edit Master title style</a:t>
             </a:r>
-            <a:endParaRPr kumimoji="0" lang="en-US"/>
-          </a:p>
-        </p:txBody>
-      </p:sp>
-      <p:sp>
-        <p:nvSpPr>
-          <p:cNvPr id="3" name="Text Placeholder 2"/>
+            <a:endParaRPr lang="en-IN"/>
+          </a:p>
+        </p:txBody>
+      </p:sp>
+      <p:sp>
+        <p:nvSpPr>
+          <p:cNvPr id="3" name="Content Placeholder 2"/>
           <p:cNvSpPr>
             <a:spLocks noGrp="1"/>
           </p:cNvSpPr>
           <p:nvPr>
-            <p:ph type="body" idx="2"/>
+            <p:ph idx="1"/>
           </p:nvPr>
         </p:nvSpPr>
         <p:spPr>
           <a:xfrm>
-            <a:off x="609601" y="1524001"/>
-            <a:ext cx="4011084" cy="4602163"/>
+            <a:off x="4766733" y="273053"/>
+            <a:ext cx="6815667" cy="5853113"/>
+          </a:xfrm>
+        </p:spPr>
+        <p:txBody>
+          <a:bodyPr/>
+          <a:lstStyle>
+            <a:lvl1pPr>
+              <a:defRPr sz="3200"/>
+            </a:lvl1pPr>
+            <a:lvl2pPr>
+              <a:defRPr sz="2800"/>
+            </a:lvl2pPr>
+            <a:lvl3pPr>
+              <a:defRPr sz="2400"/>
+            </a:lvl3pPr>
+            <a:lvl4pPr>
+              <a:defRPr sz="2000"/>
+            </a:lvl4pPr>
+            <a:lvl5pPr>
+              <a:defRPr sz="2000"/>
+            </a:lvl5pPr>
+            <a:lvl6pPr>
+              <a:defRPr sz="2000"/>
+            </a:lvl6pPr>
+            <a:lvl7pPr>
+              <a:defRPr sz="2000"/>
+            </a:lvl7pPr>
+            <a:lvl8pPr>
+              <a:defRPr sz="2000"/>
+            </a:lvl8pPr>
+            <a:lvl9pPr>
+              <a:defRPr sz="2000"/>
+            </a:lvl9pPr>
+          </a:lstStyle>
+          <a:p>
+            <a:pPr lvl="0"/>
+            <a:r>
+              <a:rPr lang="en-US" smtClean="0"/>
+              <a:t>Click to edit Master text styles</a:t>
+            </a:r>
+          </a:p>
+          <a:p>
+            <a:pPr lvl="1"/>
+            <a:r>
+              <a:rPr lang="en-US" smtClean="0"/>
+              <a:t>Second level</a:t>
+            </a:r>
+          </a:p>
+          <a:p>
+            <a:pPr lvl="2"/>
+            <a:r>
+              <a:rPr lang="en-US" smtClean="0"/>
+              <a:t>Third level</a:t>
+            </a:r>
+          </a:p>
+          <a:p>
+            <a:pPr lvl="3"/>
+            <a:r>
+              <a:rPr lang="en-US" smtClean="0"/>
+              <a:t>Fourth level</a:t>
+            </a:r>
+          </a:p>
+          <a:p>
+            <a:pPr lvl="4"/>
+            <a:r>
+              <a:rPr lang="en-US" smtClean="0"/>
+              <a:t>Fifth level</a:t>
+            </a:r>
+            <a:endParaRPr lang="en-IN"/>
+          </a:p>
+        </p:txBody>
+      </p:sp>
+      <p:sp>
+        <p:nvSpPr>
+          <p:cNvPr id="4" name="Text Placeholder 3"/>
+          <p:cNvSpPr>
+            <a:spLocks noGrp="1"/>
+          </p:cNvSpPr>
+          <p:nvPr>
+            <p:ph type="body" sz="half" idx="2"/>
+          </p:nvPr>
+        </p:nvSpPr>
+        <p:spPr>
+          <a:xfrm>
+            <a:off x="609602" y="1435103"/>
+            <a:ext cx="4011084" cy="4691063"/>
           </a:xfrm>
         </p:spPr>
         <p:txBody>
@@ -2109,102 +2298,45 @@
               <a:buNone/>
               <a:defRPr sz="1400"/>
             </a:lvl1pPr>
-            <a:lvl2pPr>
+            <a:lvl2pPr marL="457200" indent="0">
               <a:buNone/>
               <a:defRPr sz="1200"/>
             </a:lvl2pPr>
-            <a:lvl3pPr>
+            <a:lvl3pPr marL="914400" indent="0">
               <a:buNone/>
               <a:defRPr sz="1000"/>
             </a:lvl3pPr>
-            <a:lvl4pPr>
+            <a:lvl4pPr marL="1371600" indent="0">
               <a:buNone/>
               <a:defRPr sz="900"/>
             </a:lvl4pPr>
-            <a:lvl5pPr>
+            <a:lvl5pPr marL="1828800" indent="0">
               <a:buNone/>
               <a:defRPr sz="900"/>
             </a:lvl5pPr>
+            <a:lvl6pPr marL="2286000" indent="0">
+              <a:buNone/>
+              <a:defRPr sz="900"/>
+            </a:lvl6pPr>
+            <a:lvl7pPr marL="2743200" indent="0">
+              <a:buNone/>
+              <a:defRPr sz="900"/>
+            </a:lvl7pPr>
+            <a:lvl8pPr marL="3200400" indent="0">
+              <a:buNone/>
+              <a:defRPr sz="900"/>
+            </a:lvl8pPr>
+            <a:lvl9pPr marL="3657600" indent="0">
+              <a:buNone/>
+              <a:defRPr sz="900"/>
+            </a:lvl9pPr>
           </a:lstStyle>
           <a:p>
-            <a:pPr lvl="0" eaLnBrk="1" latinLnBrk="0" hangingPunct="1"/>
-            <a:r>
-              <a:rPr kumimoji="0" lang="en-US" smtClean="0"/>
-              <a:t>Click to edit Master text styles</a:t>
-            </a:r>
-          </a:p>
-        </p:txBody>
-      </p:sp>
-      <p:sp>
-        <p:nvSpPr>
-          <p:cNvPr id="4" name="Content Placeholder 3"/>
-          <p:cNvSpPr>
-            <a:spLocks noGrp="1"/>
-          </p:cNvSpPr>
-          <p:nvPr>
-            <p:ph sz="half" idx="1"/>
-          </p:nvPr>
-        </p:nvSpPr>
-        <p:spPr>
-          <a:xfrm>
-            <a:off x="4766733" y="273051"/>
-            <a:ext cx="6815667" cy="5853113"/>
-          </a:xfrm>
-        </p:spPr>
-        <p:txBody>
-          <a:bodyPr/>
-          <a:lstStyle>
-            <a:lvl1pPr>
-              <a:defRPr sz="2600"/>
-            </a:lvl1pPr>
-            <a:lvl2pPr>
-              <a:defRPr sz="2400"/>
-            </a:lvl2pPr>
-            <a:lvl3pPr>
-              <a:defRPr sz="2200"/>
-            </a:lvl3pPr>
-            <a:lvl4pPr>
-              <a:defRPr sz="2000"/>
-            </a:lvl4pPr>
-            <a:lvl5pPr>
-              <a:defRPr sz="1800"/>
-            </a:lvl5pPr>
-          </a:lstStyle>
-          <a:p>
-            <a:pPr lvl="0" eaLnBrk="1" latinLnBrk="0" hangingPunct="1"/>
+            <a:pPr lvl="0"/>
             <a:r>
               <a:rPr lang="en-US" smtClean="0"/>
               <a:t>Click to edit Master text styles</a:t>
             </a:r>
-          </a:p>
-          <a:p>
-            <a:pPr lvl="1" eaLnBrk="1" latinLnBrk="0" hangingPunct="1"/>
-            <a:r>
-              <a:rPr lang="en-US" smtClean="0"/>
-              <a:t>Second level</a:t>
-            </a:r>
-          </a:p>
-          <a:p>
-            <a:pPr lvl="2" eaLnBrk="1" latinLnBrk="0" hangingPunct="1"/>
-            <a:r>
-              <a:rPr lang="en-US" smtClean="0"/>
-              <a:t>Third level</a:t>
-            </a:r>
-          </a:p>
-          <a:p>
-            <a:pPr lvl="3" eaLnBrk="1" latinLnBrk="0" hangingPunct="1"/>
-            <a:r>
-              <a:rPr lang="en-US" smtClean="0"/>
-              <a:t>Fourth level</a:t>
-            </a:r>
-          </a:p>
-          <a:p>
-            <a:pPr lvl="4" eaLnBrk="1" latinLnBrk="0" hangingPunct="1"/>
-            <a:r>
-              <a:rPr lang="en-US" smtClean="0"/>
-              <a:t>Fifth level</a:t>
-            </a:r>
-            <a:endParaRPr kumimoji="0" lang="en-US"/>
           </a:p>
         </p:txBody>
       </p:sp>
@@ -2282,6 +2414,11 @@
         </p:txBody>
       </p:sp>
     </p:spTree>
+    <p:extLst>
+      <p:ext uri="{BB962C8B-B14F-4D97-AF65-F5344CB8AC3E}">
+        <p14:creationId xmlns:p14="http://schemas.microsoft.com/office/powerpoint/2010/main" val="1633839185"/>
+      </p:ext>
+    </p:extLst>
   </p:cSld>
   <p:clrMapOvr>
     <a:masterClrMapping/>
@@ -2318,26 +2455,23 @@
         </p:nvSpPr>
         <p:spPr>
           <a:xfrm>
-            <a:off x="2438400" y="609600"/>
-            <a:ext cx="7315200" cy="522288"/>
+            <a:off x="2389717" y="4800600"/>
+            <a:ext cx="7315200" cy="566738"/>
           </a:xfrm>
         </p:spPr>
         <p:txBody>
-          <a:bodyPr lIns="45720" rIns="45720" bIns="0" anchor="b">
-            <a:sp3d prstMaterial="softEdge"/>
-          </a:bodyPr>
+          <a:bodyPr anchor="b"/>
           <a:lstStyle>
-            <a:lvl1pPr algn="ctr">
-              <a:buNone/>
+            <a:lvl1pPr algn="l">
               <a:defRPr sz="2000" b="1"/>
             </a:lvl1pPr>
           </a:lstStyle>
           <a:p>
             <a:r>
-              <a:rPr kumimoji="0" lang="en-US" smtClean="0"/>
+              <a:rPr lang="en-US" smtClean="0"/>
               <a:t>Click to edit Master title style</a:t>
             </a:r>
-            <a:endParaRPr kumimoji="0" lang="en-US"/>
+            <a:endParaRPr lang="en-IN"/>
           </a:p>
         </p:txBody>
       </p:sp>
@@ -2353,85 +2487,52 @@
         </p:nvSpPr>
         <p:spPr>
           <a:xfrm>
-            <a:off x="2438400" y="1831975"/>
-            <a:ext cx="7315200" cy="3962400"/>
+            <a:off x="2389717" y="612775"/>
+            <a:ext cx="7315200" cy="4114800"/>
           </a:xfrm>
-          <a:solidFill>
-            <a:schemeClr val="bg2"/>
-          </a:solidFill>
-          <a:ln w="44450" cap="sq" cmpd="sng" algn="ctr">
-            <a:solidFill>
-              <a:srgbClr val="FFFFFF"/>
-            </a:solidFill>
-            <a:prstDash val="solid"/>
-            <a:miter lim="800000"/>
-          </a:ln>
-          <a:effectLst>
-            <a:outerShdw blurRad="190500" dist="228600" dir="2700000" sy="90000">
-              <a:srgbClr val="000000">
-                <a:alpha val="25000"/>
-              </a:srgbClr>
-            </a:outerShdw>
-          </a:effectLst>
-          <a:scene3d>
-            <a:camera prst="orthographicFront">
-              <a:rot lat="0" lon="0" rev="0"/>
-            </a:camera>
-            <a:lightRig rig="balanced" dir="tr">
-              <a:rot lat="0" lon="0" rev="2700000"/>
-            </a:lightRig>
-          </a:scene3d>
-          <a:sp3d prstMaterial="matte">
-            <a:contourClr>
-              <a:schemeClr val="tx2">
-                <a:shade val="50000"/>
-              </a:schemeClr>
-            </a:contourClr>
-          </a:sp3d>
         </p:spPr>
-        <p:style>
-          <a:lnRef idx="3">
-            <a:schemeClr val="lt1"/>
-          </a:lnRef>
-          <a:fillRef idx="1">
-            <a:schemeClr val="accent1"/>
-          </a:fillRef>
-          <a:effectRef idx="1">
-            <a:schemeClr val="accent1"/>
-          </a:effectRef>
-          <a:fontRef idx="minor">
-            <a:schemeClr val="lt1"/>
-          </a:fontRef>
-        </p:style>
-        <p:txBody>
-          <a:bodyPr anchor="t"/>
+        <p:txBody>
+          <a:bodyPr/>
           <a:lstStyle>
-            <a:lvl1pPr indent="0">
+            <a:lvl1pPr marL="0" indent="0">
               <a:buNone/>
               <a:defRPr sz="3200"/>
             </a:lvl1pPr>
+            <a:lvl2pPr marL="457200" indent="0">
+              <a:buNone/>
+              <a:defRPr sz="2800"/>
+            </a:lvl2pPr>
+            <a:lvl3pPr marL="914400" indent="0">
+              <a:buNone/>
+              <a:defRPr sz="2400"/>
+            </a:lvl3pPr>
+            <a:lvl4pPr marL="1371600" indent="0">
+              <a:buNone/>
+              <a:defRPr sz="2000"/>
+            </a:lvl4pPr>
+            <a:lvl5pPr marL="1828800" indent="0">
+              <a:buNone/>
+              <a:defRPr sz="2000"/>
+            </a:lvl5pPr>
+            <a:lvl6pPr marL="2286000" indent="0">
+              <a:buNone/>
+              <a:defRPr sz="2000"/>
+            </a:lvl6pPr>
+            <a:lvl7pPr marL="2743200" indent="0">
+              <a:buNone/>
+              <a:defRPr sz="2000"/>
+            </a:lvl7pPr>
+            <a:lvl8pPr marL="3200400" indent="0">
+              <a:buNone/>
+              <a:defRPr sz="2000"/>
+            </a:lvl8pPr>
+            <a:lvl9pPr marL="3657600" indent="0">
+              <a:buNone/>
+              <a:defRPr sz="2000"/>
+            </a:lvl9pPr>
           </a:lstStyle>
           <a:p>
-            <a:pPr marL="0" algn="l" rtl="0" eaLnBrk="1" latinLnBrk="0" hangingPunct="1"/>
-            <a:r>
-              <a:rPr kumimoji="0" lang="en-US" smtClean="0">
-                <a:solidFill>
-                  <a:schemeClr val="lt1"/>
-                </a:solidFill>
-                <a:latin typeface="+mn-lt"/>
-                <a:ea typeface="+mn-ea"/>
-                <a:cs typeface="+mn-cs"/>
-              </a:rPr>
-              <a:t>Click icon to add picture</a:t>
-            </a:r>
-            <a:endParaRPr kumimoji="0" lang="en-US" dirty="0">
-              <a:solidFill>
-                <a:schemeClr val="lt1"/>
-              </a:solidFill>
-              <a:latin typeface="+mn-lt"/>
-              <a:ea typeface="+mn-ea"/>
-              <a:cs typeface="+mn-cs"/>
-            </a:endParaRPr>
+            <a:endParaRPr lang="en-IN"/>
           </a:p>
         </p:txBody>
       </p:sp>
@@ -2447,34 +2548,54 @@
         </p:nvSpPr>
         <p:spPr>
           <a:xfrm>
-            <a:off x="2438400" y="1166787"/>
-            <a:ext cx="7315200" cy="530352"/>
+            <a:off x="2389717" y="5367338"/>
+            <a:ext cx="7315200" cy="804862"/>
           </a:xfrm>
         </p:spPr>
         <p:txBody>
-          <a:bodyPr lIns="45720" tIns="45720" rIns="45720" anchor="t"/>
+          <a:bodyPr/>
           <a:lstStyle>
-            <a:lvl1pPr marL="0" indent="0" algn="ctr">
+            <a:lvl1pPr marL="0" indent="0">
               <a:buNone/>
               <a:defRPr sz="1400"/>
             </a:lvl1pPr>
-            <a:lvl2pPr>
+            <a:lvl2pPr marL="457200" indent="0">
+              <a:buNone/>
               <a:defRPr sz="1200"/>
             </a:lvl2pPr>
-            <a:lvl3pPr>
+            <a:lvl3pPr marL="914400" indent="0">
+              <a:buNone/>
               <a:defRPr sz="1000"/>
             </a:lvl3pPr>
-            <a:lvl4pPr>
+            <a:lvl4pPr marL="1371600" indent="0">
+              <a:buNone/>
               <a:defRPr sz="900"/>
             </a:lvl4pPr>
-            <a:lvl5pPr>
+            <a:lvl5pPr marL="1828800" indent="0">
+              <a:buNone/>
               <a:defRPr sz="900"/>
             </a:lvl5pPr>
+            <a:lvl6pPr marL="2286000" indent="0">
+              <a:buNone/>
+              <a:defRPr sz="900"/>
+            </a:lvl6pPr>
+            <a:lvl7pPr marL="2743200" indent="0">
+              <a:buNone/>
+              <a:defRPr sz="900"/>
+            </a:lvl7pPr>
+            <a:lvl8pPr marL="3200400" indent="0">
+              <a:buNone/>
+              <a:defRPr sz="900"/>
+            </a:lvl8pPr>
+            <a:lvl9pPr marL="3657600" indent="0">
+              <a:buNone/>
+              <a:defRPr sz="900"/>
+            </a:lvl9pPr>
           </a:lstStyle>
           <a:p>
-            <a:pPr lvl="0" eaLnBrk="1" latinLnBrk="0" hangingPunct="1"/>
-            <a:r>
-              <a:rPr kumimoji="0" lang="en-US" smtClean="0"/>
+            <a:pPr lvl="0"/>
+            <a:r>
+              <a:rPr lang="en-US" smtClean="0"/>
               <a:t>Click to edit Master text styles</a:t>
             </a:r>
           </a:p>
@@ -2554,6 +2675,11 @@
         </p:txBody>
       </p:sp>
     </p:spTree>
+    <p:extLst>
+      <p:ext uri="{BB962C8B-B14F-4D97-AF65-F5344CB8AC3E}">
+        <p14:creationId xmlns:p14="http://schemas.microsoft.com/office/powerpoint/2010/main" val="947494427"/>
+      </p:ext>
+    </p:extLst>
   </p:cSld>
   <p:clrMapOvr>
     <a:masterClrMapping/>
@@ -2565,8 +2691,8 @@
 <p:sldMaster xmlns:a="http://schemas.openxmlformats.org/drawingml/2006/main" xmlns:r="http://schemas.openxmlformats.org/officeDocument/2006/relationships" xmlns:p="http://schemas.openxmlformats.org/presentationml/2006/main">
   <p:cSld>
     <p:bg>
-      <p:bgRef idx="1003">
-        <a:schemeClr val="bg2"/>
+      <p:bgRef idx="1001">
+        <a:schemeClr val="bg1"/>
       </p:bgRef>
     </p:bg>
     <p:spTree>
@@ -2585,7 +2711,7 @@
       </p:grpSpPr>
       <p:sp>
         <p:nvSpPr>
-          <p:cNvPr id="22" name="Title Placeholder 21"/>
+          <p:cNvPr id="2" name="Title Placeholder 1"/>
           <p:cNvSpPr>
             <a:spLocks noGrp="1"/>
           </p:cNvSpPr>
@@ -2603,31 +2729,22 @@
           </a:prstGeom>
         </p:spPr>
         <p:txBody>
-          <a:bodyPr vert="horz" anchor="ctr">
+          <a:bodyPr vert="horz" lIns="91440" tIns="45720" rIns="91440" bIns="45720" rtlCol="0" anchor="ctr">
             <a:normAutofit/>
-            <a:scene3d>
-              <a:camera prst="orthographicFront"/>
-              <a:lightRig rig="soft" dir="t">
-                <a:rot lat="0" lon="0" rev="16800000"/>
-              </a:lightRig>
-            </a:scene3d>
-            <a:sp3d prstMaterial="softEdge">
-              <a:bevelT w="38100" h="38100"/>
-            </a:sp3d>
           </a:bodyPr>
           <a:lstStyle/>
           <a:p>
             <a:r>
-              <a:rPr kumimoji="0" lang="en-US" smtClean="0"/>
+              <a:rPr lang="en-US" smtClean="0"/>
               <a:t>Click to edit Master title style</a:t>
             </a:r>
-            <a:endParaRPr kumimoji="0" lang="en-US"/>
-          </a:p>
-        </p:txBody>
-      </p:sp>
-      <p:sp>
-        <p:nvSpPr>
-          <p:cNvPr id="13" name="Text Placeholder 12"/>
+            <a:endParaRPr lang="en-IN"/>
+          </a:p>
+        </p:txBody>
+      </p:sp>
+      <p:sp>
+        <p:nvSpPr>
+          <p:cNvPr id="3" name="Text Placeholder 2"/>
           <p:cNvSpPr>
             <a:spLocks noGrp="1"/>
           </p:cNvSpPr>
@@ -2637,59 +2754,59 @@
         </p:nvSpPr>
         <p:spPr>
           <a:xfrm>
-            <a:off x="609600" y="1600200"/>
-            <a:ext cx="10972800" cy="4709160"/>
+            <a:off x="609600" y="1600203"/>
+            <a:ext cx="10972800" cy="4525963"/>
           </a:xfrm>
           <a:prstGeom prst="rect">
             <a:avLst/>
           </a:prstGeom>
         </p:spPr>
         <p:txBody>
-          <a:bodyPr vert="horz">
+          <a:bodyPr vert="horz" lIns="91440" tIns="45720" rIns="91440" bIns="45720" rtlCol="0">
             <a:normAutofit/>
           </a:bodyPr>
           <a:lstStyle/>
           <a:p>
-            <a:pPr lvl="0" eaLnBrk="1" latinLnBrk="0" hangingPunct="1"/>
-            <a:r>
-              <a:rPr kumimoji="0" lang="en-US" smtClean="0"/>
+            <a:pPr lvl="0"/>
+            <a:r>
+              <a:rPr lang="en-US" smtClean="0"/>
               <a:t>Click to edit Master text styles</a:t>
             </a:r>
           </a:p>
           <a:p>
-            <a:pPr lvl="1" eaLnBrk="1" latinLnBrk="0" hangingPunct="1"/>
-            <a:r>
-              <a:rPr kumimoji="0" lang="en-US" smtClean="0"/>
+            <a:pPr lvl="1"/>
+            <a:r>
+              <a:rPr lang="en-US" smtClean="0"/>
               <a:t>Second level</a:t>
             </a:r>
           </a:p>
           <a:p>
-            <a:pPr lvl="2" eaLnBrk="1" latinLnBrk="0" hangingPunct="1"/>
-            <a:r>
-              <a:rPr kumimoji="0" lang="en-US" smtClean="0"/>
+            <a:pPr lvl="2"/>
+            <a:r>
+              <a:rPr lang="en-US" smtClean="0"/>
               <a:t>Third level</a:t>
             </a:r>
           </a:p>
           <a:p>
-            <a:pPr lvl="3" eaLnBrk="1" latinLnBrk="0" hangingPunct="1"/>
-            <a:r>
-              <a:rPr kumimoji="0" lang="en-US" smtClean="0"/>
+            <a:pPr lvl="3"/>
+            <a:r>
+              <a:rPr lang="en-US" smtClean="0"/>
               <a:t>Fourth level</a:t>
             </a:r>
           </a:p>
           <a:p>
-            <a:pPr lvl="4" eaLnBrk="1" latinLnBrk="0" hangingPunct="1"/>
-            <a:r>
-              <a:rPr kumimoji="0" lang="en-US" smtClean="0"/>
+            <a:pPr lvl="4"/>
+            <a:r>
+              <a:rPr lang="en-US" smtClean="0"/>
               <a:t>Fifth level</a:t>
             </a:r>
-            <a:endParaRPr kumimoji="0" lang="en-US"/>
-          </a:p>
-        </p:txBody>
-      </p:sp>
-      <p:sp>
-        <p:nvSpPr>
-          <p:cNvPr id="14" name="Date Placeholder 13"/>
+            <a:endParaRPr lang="en-IN"/>
+          </a:p>
+        </p:txBody>
+      </p:sp>
+      <p:sp>
+        <p:nvSpPr>
+          <p:cNvPr id="4" name="Date Placeholder 3"/>
           <p:cNvSpPr>
             <a:spLocks noGrp="1"/>
           </p:cNvSpPr>
@@ -2699,7 +2816,7 @@
         </p:nvSpPr>
         <p:spPr>
           <a:xfrm>
-            <a:off x="609600" y="6416676"/>
+            <a:off x="609600" y="6356353"/>
             <a:ext cx="2844800" cy="365125"/>
           </a:xfrm>
           <a:prstGeom prst="rect">
@@ -2707,13 +2824,13 @@
           </a:prstGeom>
         </p:spPr>
         <p:txBody>
-          <a:bodyPr vert="horz" anchor="b"/>
+          <a:bodyPr vert="horz" lIns="91440" tIns="45720" rIns="91440" bIns="45720" rtlCol="0" anchor="ctr"/>
           <a:lstStyle>
-            <a:lvl1pPr algn="l" eaLnBrk="1" latinLnBrk="0" hangingPunct="1">
-              <a:defRPr kumimoji="0" sz="1200">
+            <a:lvl1pPr algn="l">
+              <a:defRPr sz="1200">
                 <a:solidFill>
                   <a:schemeClr val="tx1">
-                    <a:shade val="50000"/>
+                    <a:tint val="75000"/>
                   </a:schemeClr>
                 </a:solidFill>
               </a:defRPr>
@@ -2730,7 +2847,7 @@
       </p:sp>
       <p:sp>
         <p:nvSpPr>
-          <p:cNvPr id="3" name="Footer Placeholder 2"/>
+          <p:cNvPr id="5" name="Footer Placeholder 4"/>
           <p:cNvSpPr>
             <a:spLocks noGrp="1"/>
           </p:cNvSpPr>
@@ -2740,7 +2857,7 @@
         </p:nvSpPr>
         <p:spPr>
           <a:xfrm>
-            <a:off x="4165600" y="6416676"/>
+            <a:off x="4165600" y="6356353"/>
             <a:ext cx="3860800" cy="365125"/>
           </a:xfrm>
           <a:prstGeom prst="rect">
@@ -2748,13 +2865,13 @@
           </a:prstGeom>
         </p:spPr>
         <p:txBody>
-          <a:bodyPr vert="horz" anchor="b"/>
+          <a:bodyPr vert="horz" lIns="91440" tIns="45720" rIns="91440" bIns="45720" rtlCol="0" anchor="ctr"/>
           <a:lstStyle>
-            <a:lvl1pPr algn="ctr" eaLnBrk="1" latinLnBrk="0" hangingPunct="1">
-              <a:defRPr kumimoji="0" sz="1200">
+            <a:lvl1pPr algn="ctr">
+              <a:defRPr sz="1200">
                 <a:solidFill>
                   <a:schemeClr val="tx1">
-                    <a:shade val="50000"/>
+                    <a:tint val="75000"/>
                   </a:schemeClr>
                 </a:solidFill>
               </a:defRPr>
@@ -2767,7 +2884,7 @@
       </p:sp>
       <p:sp>
         <p:nvSpPr>
-          <p:cNvPr id="23" name="Slide Number Placeholder 22"/>
+          <p:cNvPr id="6" name="Slide Number Placeholder 5"/>
           <p:cNvSpPr>
             <a:spLocks noGrp="1"/>
           </p:cNvSpPr>
@@ -2777,21 +2894,21 @@
         </p:nvSpPr>
         <p:spPr>
           <a:xfrm>
-            <a:off x="10566400" y="6416676"/>
-            <a:ext cx="1016000" cy="365125"/>
+            <a:off x="8737600" y="6356353"/>
+            <a:ext cx="2844800" cy="365125"/>
           </a:xfrm>
           <a:prstGeom prst="rect">
             <a:avLst/>
           </a:prstGeom>
         </p:spPr>
         <p:txBody>
-          <a:bodyPr vert="horz" lIns="0" rIns="0" anchor="b"/>
+          <a:bodyPr vert="horz" lIns="91440" tIns="45720" rIns="91440" bIns="45720" rtlCol="0" anchor="ctr"/>
           <a:lstStyle>
-            <a:lvl1pPr algn="r" eaLnBrk="1" latinLnBrk="0" hangingPunct="1">
-              <a:defRPr kumimoji="0" sz="1200">
+            <a:lvl1pPr algn="r">
+              <a:defRPr sz="1200">
                 <a:solidFill>
                   <a:schemeClr val="tx1">
-                    <a:shade val="50000"/>
+                    <a:tint val="75000"/>
                   </a:schemeClr>
                 </a:solidFill>
               </a:defRPr>
@@ -2815,62 +2932,37 @@
         </p:txBody>
       </p:sp>
     </p:spTree>
+    <p:extLst>
+      <p:ext uri="{BB962C8B-B14F-4D97-AF65-F5344CB8AC3E}">
+        <p14:creationId xmlns:p14="http://schemas.microsoft.com/office/powerpoint/2010/main" val="3047645758"/>
+      </p:ext>
+    </p:extLst>
   </p:cSld>
-  <p:clrMap bg1="dk1" tx1="lt1" bg2="dk2" tx2="lt2" accent1="accent1" accent2="accent2" accent3="accent3" accent4="accent4" accent5="accent5" accent6="accent6" hlink="hlink" folHlink="folHlink"/>
+  <p:clrMap bg1="lt1" tx1="dk1" bg2="lt2" tx2="dk2" accent1="accent1" accent2="accent2" accent3="accent3" accent4="accent4" accent5="accent5" accent6="accent6" hlink="hlink" folHlink="folHlink"/>
   <p:sldLayoutIdLst>
-    <p:sldLayoutId id="2147483679" r:id="rId1"/>
-    <p:sldLayoutId id="2147483680" r:id="rId2"/>
-    <p:sldLayoutId id="2147483681" r:id="rId3"/>
-    <p:sldLayoutId id="2147483682" r:id="rId4"/>
-    <p:sldLayoutId id="2147483683" r:id="rId5"/>
-    <p:sldLayoutId id="2147483684" r:id="rId6"/>
-    <p:sldLayoutId id="2147483685" r:id="rId7"/>
-    <p:sldLayoutId id="2147483686" r:id="rId8"/>
-    <p:sldLayoutId id="2147483687" r:id="rId9"/>
-    <p:sldLayoutId id="2147483688" r:id="rId10"/>
-    <p:sldLayoutId id="2147483689" r:id="rId11"/>
+    <p:sldLayoutId id="2147483703" r:id="rId1"/>
+    <p:sldLayoutId id="2147483704" r:id="rId2"/>
+    <p:sldLayoutId id="2147483705" r:id="rId3"/>
+    <p:sldLayoutId id="2147483706" r:id="rId4"/>
+    <p:sldLayoutId id="2147483707" r:id="rId5"/>
+    <p:sldLayoutId id="2147483708" r:id="rId6"/>
+    <p:sldLayoutId id="2147483709" r:id="rId7"/>
+    <p:sldLayoutId id="2147483710" r:id="rId8"/>
+    <p:sldLayoutId id="2147483711" r:id="rId9"/>
+    <p:sldLayoutId id="2147483712" r:id="rId10"/>
+    <p:sldLayoutId id="2147483713" r:id="rId11"/>
   </p:sldLayoutIdLst>
   <p:txStyles>
     <p:titleStyle>
-      <a:lvl1pPr algn="ctr" rtl="0" eaLnBrk="1" latinLnBrk="0" hangingPunct="1">
+      <a:lvl1pPr algn="ctr" defTabSz="914400" rtl="0" eaLnBrk="1" latinLnBrk="0" hangingPunct="1">
         <a:spcBef>
           <a:spcPct val="0"/>
         </a:spcBef>
         <a:buNone/>
-        <a:defRPr kumimoji="0" sz="4100" b="1" kern="1200" cap="none" baseline="0">
-          <a:ln w="6350">
-            <a:noFill/>
-          </a:ln>
-          <a:gradFill>
-            <a:gsLst>
-              <a:gs pos="0">
-                <a:schemeClr val="accent1">
-                  <a:tint val="73000"/>
-                  <a:satMod val="145000"/>
-                </a:schemeClr>
-              </a:gs>
-              <a:gs pos="73000">
-                <a:schemeClr val="accent1">
-                  <a:tint val="73000"/>
-                  <a:satMod val="145000"/>
-                </a:schemeClr>
-              </a:gs>
-              <a:gs pos="100000">
-                <a:schemeClr val="accent1">
-                  <a:tint val="83000"/>
-                  <a:satMod val="143000"/>
-                </a:schemeClr>
-              </a:gs>
-            </a:gsLst>
-            <a:lin ang="4800000" scaled="1"/>
-          </a:gradFill>
-          <a:effectLst>
-            <a:outerShdw blurRad="114300" dist="101600" dir="2700000" algn="tl" rotWithShape="0">
-              <a:srgbClr val="000000">
-                <a:alpha val="40000"/>
-              </a:srgbClr>
-            </a:outerShdw>
-          </a:effectLst>
+        <a:defRPr sz="4400" kern="1200">
+          <a:solidFill>
+            <a:schemeClr val="tx1"/>
+          </a:solidFill>
           <a:latin typeface="+mj-lt"/>
           <a:ea typeface="+mj-ea"/>
           <a:cs typeface="+mj-cs"/>
@@ -2878,19 +2970,13 @@
       </a:lvl1pPr>
     </p:titleStyle>
     <p:bodyStyle>
-      <a:lvl1pPr marL="548640" indent="-411480" algn="l" rtl="0" eaLnBrk="1" latinLnBrk="0" hangingPunct="1">
+      <a:lvl1pPr marL="342900" indent="-342900" algn="l" defTabSz="914400" rtl="0" eaLnBrk="1" latinLnBrk="0" hangingPunct="1">
         <a:spcBef>
           <a:spcPct val="20000"/>
         </a:spcBef>
-        <a:buClr>
-          <a:schemeClr val="tx1">
-            <a:shade val="95000"/>
-          </a:schemeClr>
-        </a:buClr>
-        <a:buSzPct val="65000"/>
-        <a:buFont typeface="Wingdings 2"/>
-        <a:buChar char=""/>
-        <a:defRPr kumimoji="0" sz="2800" kern="1200">
+        <a:buFont typeface="Arial" pitchFamily="34" charset="0"/>
+        <a:buChar char="•"/>
+        <a:defRPr sz="3200" kern="1200">
           <a:solidFill>
             <a:schemeClr val="tx1"/>
           </a:solidFill>
@@ -2899,17 +2985,13 @@
           <a:cs typeface="+mn-cs"/>
         </a:defRPr>
       </a:lvl1pPr>
-      <a:lvl2pPr marL="868680" indent="-283464" algn="l" rtl="0" eaLnBrk="1" latinLnBrk="0" hangingPunct="1">
+      <a:lvl2pPr marL="742950" indent="-285750" algn="l" defTabSz="914400" rtl="0" eaLnBrk="1" latinLnBrk="0" hangingPunct="1">
         <a:spcBef>
           <a:spcPct val="20000"/>
         </a:spcBef>
-        <a:buClr>
-          <a:schemeClr val="tx1"/>
-        </a:buClr>
-        <a:buSzPct val="80000"/>
-        <a:buFont typeface="Wingdings 2"/>
-        <a:buChar char=""/>
-        <a:defRPr kumimoji="0" sz="2400" kern="1200">
+        <a:buFont typeface="Arial" pitchFamily="34" charset="0"/>
+        <a:buChar char="–"/>
+        <a:defRPr sz="2800" kern="1200">
           <a:solidFill>
             <a:schemeClr val="tx1"/>
           </a:solidFill>
@@ -2918,17 +3000,13 @@
           <a:cs typeface="+mn-cs"/>
         </a:defRPr>
       </a:lvl2pPr>
-      <a:lvl3pPr marL="1133856" indent="-228600" algn="l" rtl="0" eaLnBrk="1" latinLnBrk="0" hangingPunct="1">
+      <a:lvl3pPr marL="1143000" indent="-228600" algn="l" defTabSz="914400" rtl="0" eaLnBrk="1" latinLnBrk="0" hangingPunct="1">
         <a:spcBef>
           <a:spcPct val="20000"/>
         </a:spcBef>
-        <a:buClr>
-          <a:schemeClr val="tx1"/>
-        </a:buClr>
-        <a:buSzPct val="95000"/>
-        <a:buFont typeface="Wingdings"/>
-        <a:buChar char=""/>
-        <a:defRPr kumimoji="0" sz="2200" kern="1200">
+        <a:buFont typeface="Arial" pitchFamily="34" charset="0"/>
+        <a:buChar char="•"/>
+        <a:defRPr sz="2400" kern="1200">
           <a:solidFill>
             <a:schemeClr val="tx1"/>
           </a:solidFill>
@@ -2937,17 +3015,13 @@
           <a:cs typeface="+mn-cs"/>
         </a:defRPr>
       </a:lvl3pPr>
-      <a:lvl4pPr marL="1353312" indent="-182880" algn="l" rtl="0" eaLnBrk="1" latinLnBrk="0" hangingPunct="1">
+      <a:lvl4pPr marL="1600200" indent="-228600" algn="l" defTabSz="914400" rtl="0" eaLnBrk="1" latinLnBrk="0" hangingPunct="1">
         <a:spcBef>
           <a:spcPct val="20000"/>
         </a:spcBef>
-        <a:buClr>
-          <a:schemeClr val="tx1"/>
-        </a:buClr>
-        <a:buSzPct val="100000"/>
-        <a:buFont typeface="Wingdings 3"/>
-        <a:buChar char=""/>
-        <a:defRPr kumimoji="0" sz="2000" kern="1200">
+        <a:buFont typeface="Arial" pitchFamily="34" charset="0"/>
+        <a:buChar char="–"/>
+        <a:defRPr sz="2000" kern="1200">
           <a:solidFill>
             <a:schemeClr val="tx1"/>
           </a:solidFill>
@@ -2956,16 +3030,13 @@
           <a:cs typeface="+mn-cs"/>
         </a:defRPr>
       </a:lvl4pPr>
-      <a:lvl5pPr marL="1545336" indent="-182880" algn="l" rtl="0" eaLnBrk="1" latinLnBrk="0" hangingPunct="1">
+      <a:lvl5pPr marL="2057400" indent="-228600" algn="l" defTabSz="914400" rtl="0" eaLnBrk="1" latinLnBrk="0" hangingPunct="1">
         <a:spcBef>
           <a:spcPct val="20000"/>
         </a:spcBef>
-        <a:buClr>
-          <a:schemeClr val="tx1"/>
-        </a:buClr>
-        <a:buFont typeface="Wingdings 2"/>
-        <a:buChar char=""/>
-        <a:defRPr kumimoji="0" sz="2000" kern="1200">
+        <a:buFont typeface="Arial" pitchFamily="34" charset="0"/>
+        <a:buChar char="»"/>
+        <a:defRPr sz="2000" kern="1200">
           <a:solidFill>
             <a:schemeClr val="tx1"/>
           </a:solidFill>
@@ -2974,16 +3045,13 @@
           <a:cs typeface="+mn-cs"/>
         </a:defRPr>
       </a:lvl5pPr>
-      <a:lvl6pPr marL="1764792" indent="-182880" algn="l" rtl="0" eaLnBrk="1" latinLnBrk="0" hangingPunct="1">
+      <a:lvl6pPr marL="2514600" indent="-228600" algn="l" defTabSz="914400" rtl="0" eaLnBrk="1" latinLnBrk="0" hangingPunct="1">
         <a:spcBef>
           <a:spcPct val="20000"/>
         </a:spcBef>
-        <a:buClr>
-          <a:schemeClr val="tx1"/>
-        </a:buClr>
-        <a:buFont typeface="Wingdings 3"/>
-        <a:buChar char=""/>
-        <a:defRPr kumimoji="0" sz="1800" kern="1200">
+        <a:buFont typeface="Arial" pitchFamily="34" charset="0"/>
+        <a:buChar char="•"/>
+        <a:defRPr sz="2000" kern="1200">
           <a:solidFill>
             <a:schemeClr val="tx1"/>
           </a:solidFill>
@@ -2992,16 +3060,13 @@
           <a:cs typeface="+mn-cs"/>
         </a:defRPr>
       </a:lvl6pPr>
-      <a:lvl7pPr marL="1965960" indent="-182880" algn="l" rtl="0" eaLnBrk="1" latinLnBrk="0" hangingPunct="1">
+      <a:lvl7pPr marL="2971800" indent="-228600" algn="l" defTabSz="914400" rtl="0" eaLnBrk="1" latinLnBrk="0" hangingPunct="1">
         <a:spcBef>
           <a:spcPct val="20000"/>
         </a:spcBef>
-        <a:buClr>
-          <a:schemeClr val="tx1"/>
-        </a:buClr>
-        <a:buFont typeface="Wingdings 2"/>
-        <a:buChar char=""/>
-        <a:defRPr kumimoji="0" sz="1600" kern="1200">
+        <a:buFont typeface="Arial" pitchFamily="34" charset="0"/>
+        <a:buChar char="•"/>
+        <a:defRPr sz="2000" kern="1200">
           <a:solidFill>
             <a:schemeClr val="tx1"/>
           </a:solidFill>
@@ -3010,16 +3075,13 @@
           <a:cs typeface="+mn-cs"/>
         </a:defRPr>
       </a:lvl7pPr>
-      <a:lvl8pPr marL="2167128" indent="-182880" algn="l" rtl="0" eaLnBrk="1" latinLnBrk="0" hangingPunct="1">
+      <a:lvl8pPr marL="3429000" indent="-228600" algn="l" defTabSz="914400" rtl="0" eaLnBrk="1" latinLnBrk="0" hangingPunct="1">
         <a:spcBef>
           <a:spcPct val="20000"/>
         </a:spcBef>
-        <a:buClr>
-          <a:schemeClr val="tx1"/>
-        </a:buClr>
-        <a:buFont typeface="Wingdings 2"/>
-        <a:buChar char=""/>
-        <a:defRPr kumimoji="0" sz="1400" kern="1200">
+        <a:buFont typeface="Arial" pitchFamily="34" charset="0"/>
+        <a:buChar char="•"/>
+        <a:defRPr sz="2000" kern="1200">
           <a:solidFill>
             <a:schemeClr val="tx1"/>
           </a:solidFill>
@@ -3028,16 +3090,13 @@
           <a:cs typeface="+mn-cs"/>
         </a:defRPr>
       </a:lvl8pPr>
-      <a:lvl9pPr marL="2368296" indent="-182880" algn="l" rtl="0" eaLnBrk="1" latinLnBrk="0" hangingPunct="1">
+      <a:lvl9pPr marL="3886200" indent="-228600" algn="l" defTabSz="914400" rtl="0" eaLnBrk="1" latinLnBrk="0" hangingPunct="1">
         <a:spcBef>
           <a:spcPct val="20000"/>
         </a:spcBef>
-        <a:buClr>
-          <a:schemeClr val="tx1"/>
-        </a:buClr>
-        <a:buFont typeface="Wingdings 2"/>
-        <a:buChar char=""/>
-        <a:defRPr kumimoji="0" sz="1400" kern="1200" baseline="0">
+        <a:buFont typeface="Arial" pitchFamily="34" charset="0"/>
+        <a:buChar char="•"/>
+        <a:defRPr sz="2000" kern="1200">
           <a:solidFill>
             <a:schemeClr val="tx1"/>
           </a:solidFill>
@@ -3048,8 +3107,11 @@
       </a:lvl9pPr>
     </p:bodyStyle>
     <p:otherStyle>
-      <a:lvl1pPr marL="0" algn="l" rtl="0" eaLnBrk="1" latinLnBrk="0" hangingPunct="1">
-        <a:defRPr kumimoji="0" kern="1200">
+      <a:defPPr>
+        <a:defRPr lang="en-US"/>
+      </a:defPPr>
+      <a:lvl1pPr marL="0" algn="l" defTabSz="914400" rtl="0" eaLnBrk="1" latinLnBrk="0" hangingPunct="1">
+        <a:defRPr sz="1800" kern="1200">
           <a:solidFill>
             <a:schemeClr val="tx1"/>
           </a:solidFill>
@@ -3058,8 +3120,8 @@
           <a:cs typeface="+mn-cs"/>
         </a:defRPr>
       </a:lvl1pPr>
-      <a:lvl2pPr marL="457200" algn="l" rtl="0" eaLnBrk="1" latinLnBrk="0" hangingPunct="1">
-        <a:defRPr kumimoji="0" kern="1200">
+      <a:lvl2pPr marL="457200" algn="l" defTabSz="914400" rtl="0" eaLnBrk="1" latinLnBrk="0" hangingPunct="1">
+        <a:defRPr sz="1800" kern="1200">
           <a:solidFill>
             <a:schemeClr val="tx1"/>
           </a:solidFill>
@@ -3068,8 +3130,8 @@
           <a:cs typeface="+mn-cs"/>
         </a:defRPr>
       </a:lvl2pPr>
-      <a:lvl3pPr marL="914400" algn="l" rtl="0" eaLnBrk="1" latinLnBrk="0" hangingPunct="1">
-        <a:defRPr kumimoji="0" kern="1200">
+      <a:lvl3pPr marL="914400" algn="l" defTabSz="914400" rtl="0" eaLnBrk="1" latinLnBrk="0" hangingPunct="1">
+        <a:defRPr sz="1800" kern="1200">
           <a:solidFill>
             <a:schemeClr val="tx1"/>
           </a:solidFill>
@@ -3078,8 +3140,8 @@
           <a:cs typeface="+mn-cs"/>
         </a:defRPr>
       </a:lvl3pPr>
-      <a:lvl4pPr marL="1371600" algn="l" rtl="0" eaLnBrk="1" latinLnBrk="0" hangingPunct="1">
-        <a:defRPr kumimoji="0" kern="1200">
+      <a:lvl4pPr marL="1371600" algn="l" defTabSz="914400" rtl="0" eaLnBrk="1" latinLnBrk="0" hangingPunct="1">
+        <a:defRPr sz="1800" kern="1200">
           <a:solidFill>
             <a:schemeClr val="tx1"/>
           </a:solidFill>
@@ -3088,8 +3150,8 @@
           <a:cs typeface="+mn-cs"/>
         </a:defRPr>
       </a:lvl4pPr>
-      <a:lvl5pPr marL="1828800" algn="l" rtl="0" eaLnBrk="1" latinLnBrk="0" hangingPunct="1">
-        <a:defRPr kumimoji="0" kern="1200">
+      <a:lvl5pPr marL="1828800" algn="l" defTabSz="914400" rtl="0" eaLnBrk="1" latinLnBrk="0" hangingPunct="1">
+        <a:defRPr sz="1800" kern="1200">
           <a:solidFill>
             <a:schemeClr val="tx1"/>
           </a:solidFill>
@@ -3098,8 +3160,8 @@
           <a:cs typeface="+mn-cs"/>
         </a:defRPr>
       </a:lvl5pPr>
-      <a:lvl6pPr marL="2286000" algn="l" rtl="0" eaLnBrk="1" latinLnBrk="0" hangingPunct="1">
-        <a:defRPr kumimoji="0" kern="1200">
+      <a:lvl6pPr marL="2286000" algn="l" defTabSz="914400" rtl="0" eaLnBrk="1" latinLnBrk="0" hangingPunct="1">
+        <a:defRPr sz="1800" kern="1200">
           <a:solidFill>
             <a:schemeClr val="tx1"/>
           </a:solidFill>
@@ -3108,8 +3170,8 @@
           <a:cs typeface="+mn-cs"/>
         </a:defRPr>
       </a:lvl6pPr>
-      <a:lvl7pPr marL="2743200" algn="l" rtl="0" eaLnBrk="1" latinLnBrk="0" hangingPunct="1">
-        <a:defRPr kumimoji="0" kern="1200">
+      <a:lvl7pPr marL="2743200" algn="l" defTabSz="914400" rtl="0" eaLnBrk="1" latinLnBrk="0" hangingPunct="1">
+        <a:defRPr sz="1800" kern="1200">
           <a:solidFill>
             <a:schemeClr val="tx1"/>
           </a:solidFill>
@@ -3118,8 +3180,8 @@
           <a:cs typeface="+mn-cs"/>
         </a:defRPr>
       </a:lvl7pPr>
-      <a:lvl8pPr marL="3200400" algn="l" rtl="0" eaLnBrk="1" latinLnBrk="0" hangingPunct="1">
-        <a:defRPr kumimoji="0" kern="1200">
+      <a:lvl8pPr marL="3200400" algn="l" defTabSz="914400" rtl="0" eaLnBrk="1" latinLnBrk="0" hangingPunct="1">
+        <a:defRPr sz="1800" kern="1200">
           <a:solidFill>
             <a:schemeClr val="tx1"/>
           </a:solidFill>
@@ -3128,8 +3190,8 @@
           <a:cs typeface="+mn-cs"/>
         </a:defRPr>
       </a:lvl8pPr>
-      <a:lvl9pPr marL="3657600" algn="l" rtl="0" eaLnBrk="1" latinLnBrk="0" hangingPunct="1">
-        <a:defRPr kumimoji="0" kern="1200">
+      <a:lvl9pPr marL="3657600" algn="l" defTabSz="914400" rtl="0" eaLnBrk="1" latinLnBrk="0" hangingPunct="1">
+        <a:defRPr sz="1800" kern="1200">
           <a:solidFill>
             <a:schemeClr val="tx1"/>
           </a:solidFill>
@@ -3411,8 +3473,8 @@
         </p:nvSpPr>
         <p:spPr>
           <a:xfrm>
-            <a:off x="3352800" y="2107112"/>
-            <a:ext cx="7695818" cy="509114"/>
+            <a:off x="3352800" y="383564"/>
+            <a:ext cx="7695818" cy="2232662"/>
           </a:xfrm>
           <a:prstGeom prst="rect">
             <a:avLst/>
@@ -3433,8 +3495,15 @@
               </a:spcBef>
             </a:pPr>
             <a:r>
-              <a:rPr lang="en-US" spc="15" dirty="0"/>
-              <a:t>ILLA JYOTHI BHAVANI</a:t>
+              <a:rPr lang="en-US" spc="15" dirty="0" smtClean="0"/>
+              <a:t>SHAIK   MADEENA</a:t>
+            </a:r>
+            <a:br>
+              <a:rPr lang="en-US" spc="15" dirty="0" smtClean="0"/>
+            </a:br>
+            <a:r>
+              <a:rPr lang="en-US" spc="15" dirty="0" smtClean="0"/>
+              <a:t>VALI</a:t>
             </a:r>
             <a:endParaRPr spc="15" dirty="0"/>
           </a:p>
@@ -3726,7 +3795,7 @@
           <p:cNvPr id="12" name="TextBox 11">
             <a:extLst>
               <a:ext uri="{FF2B5EF4-FFF2-40B4-BE49-F238E27FC236}">
-                <a16:creationId xmlns:a16="http://schemas.microsoft.com/office/drawing/2014/main" xmlns="" id="{C511D180-ECCA-E050-779A-5EB2A0089389}"/>
+                <a16:creationId xmlns="" xmlns:a16="http://schemas.microsoft.com/office/drawing/2014/main" id="{C511D180-ECCA-E050-779A-5EB2A0089389}"/>
               </a:ext>
             </a:extLst>
           </p:cNvPr>
@@ -4246,7 +4315,7 @@
           <p:cNvPr id="10" name="Rectangle: Single Corner Rounded 9">
             <a:extLst>
               <a:ext uri="{FF2B5EF4-FFF2-40B4-BE49-F238E27FC236}">
-                <a16:creationId xmlns:a16="http://schemas.microsoft.com/office/drawing/2014/main" xmlns="" id="{87A0F854-C609-46B9-6207-3F2E58041E7E}"/>
+                <a16:creationId xmlns="" xmlns:a16="http://schemas.microsoft.com/office/drawing/2014/main" id="{87A0F854-C609-46B9-6207-3F2E58041E7E}"/>
               </a:ext>
             </a:extLst>
           </p:cNvPr>
@@ -4292,7 +4361,7 @@
           <p:cNvPr id="11" name="TextBox 10">
             <a:extLst>
               <a:ext uri="{FF2B5EF4-FFF2-40B4-BE49-F238E27FC236}">
-                <a16:creationId xmlns:a16="http://schemas.microsoft.com/office/drawing/2014/main" xmlns="" id="{6AFFD9AB-D0AE-BE0B-D68F-55EF7953C4D7}"/>
+                <a16:creationId xmlns="" xmlns:a16="http://schemas.microsoft.com/office/drawing/2014/main" id="{6AFFD9AB-D0AE-BE0B-D68F-55EF7953C4D7}"/>
               </a:ext>
             </a:extLst>
           </p:cNvPr>
@@ -4355,7 +4424,7 @@
           <p:cNvPr id="2" name="TextBox 1">
             <a:extLst>
               <a:ext uri="{FF2B5EF4-FFF2-40B4-BE49-F238E27FC236}">
-                <a16:creationId xmlns:a16="http://schemas.microsoft.com/office/drawing/2014/main" xmlns="" id="{7A9489B1-DB22-4A77-8568-7DBB34C923B1}"/>
+                <a16:creationId xmlns="" xmlns:a16="http://schemas.microsoft.com/office/drawing/2014/main" id="{7A9489B1-DB22-4A77-8568-7DBB34C923B1}"/>
               </a:ext>
             </a:extLst>
           </p:cNvPr>
@@ -4420,7 +4489,7 @@
             <a:hlinkClick r:id="rId2"/>
             <a:extLst>
               <a:ext uri="{FF2B5EF4-FFF2-40B4-BE49-F238E27FC236}">
-                <a16:creationId xmlns:a16="http://schemas.microsoft.com/office/drawing/2014/main" xmlns="" id="{22EE19A5-D760-4612-5663-949CB96A9FD2}"/>
+                <a16:creationId xmlns="" xmlns:a16="http://schemas.microsoft.com/office/drawing/2014/main" id="{22EE19A5-D760-4612-5663-949CB96A9FD2}"/>
               </a:ext>
             </a:extLst>
           </p:cNvPr>
@@ -4429,7 +4498,7 @@
         </p:nvSpPr>
         <p:spPr>
           <a:xfrm>
-            <a:off x="1600200" y="2971800"/>
+            <a:off x="1642997" y="2971800"/>
             <a:ext cx="8839200" cy="523220"/>
           </a:xfrm>
           <a:prstGeom prst="rect">
@@ -4444,13 +4513,18 @@
           <a:lstStyle/>
           <a:p>
             <a:r>
-              <a:rPr lang="en-IN" sz="2800" u="sng" dirty="0">
+              <a:rPr lang="en-IN" sz="2800" u="sng" dirty="0" smtClean="0">
                 <a:solidFill>
                   <a:srgbClr val="FF0000"/>
                 </a:solidFill>
               </a:rPr>
               <a:t>https://github.com/IllaJyoCodingPro/APSSDC_CSproject.git</a:t>
             </a:r>
+            <a:endParaRPr lang="en-IN" sz="2800" u="sng" dirty="0">
+              <a:solidFill>
+                <a:srgbClr val="FF0000"/>
+              </a:solidFill>
+            </a:endParaRPr>
           </a:p>
         </p:txBody>
       </p:sp>
@@ -5516,7 +5590,7 @@
           <p:cNvPr id="23" name="TextBox 22">
             <a:extLst>
               <a:ext uri="{FF2B5EF4-FFF2-40B4-BE49-F238E27FC236}">
-                <a16:creationId xmlns:a16="http://schemas.microsoft.com/office/drawing/2014/main" xmlns="" id="{7170C571-CB35-8D85-2F78-FEE70D86C851}"/>
+                <a16:creationId xmlns="" xmlns:a16="http://schemas.microsoft.com/office/drawing/2014/main" id="{7170C571-CB35-8D85-2F78-FEE70D86C851}"/>
               </a:ext>
             </a:extLst>
           </p:cNvPr>
@@ -6768,7 +6842,7 @@
           <p:cNvPr id="28" name="TextBox 27">
             <a:extLst>
               <a:ext uri="{FF2B5EF4-FFF2-40B4-BE49-F238E27FC236}">
-                <a16:creationId xmlns:a16="http://schemas.microsoft.com/office/drawing/2014/main" xmlns="" id="{69DBC619-102C-2B1B-711F-0E6040A00249}"/>
+                <a16:creationId xmlns="" xmlns:a16="http://schemas.microsoft.com/office/drawing/2014/main" id="{69DBC619-102C-2B1B-711F-0E6040A00249}"/>
               </a:ext>
             </a:extLst>
           </p:cNvPr>
@@ -7434,7 +7508,7 @@
           <p:cNvPr id="14" name="TextBox 13">
             <a:extLst>
               <a:ext uri="{FF2B5EF4-FFF2-40B4-BE49-F238E27FC236}">
-                <a16:creationId xmlns:a16="http://schemas.microsoft.com/office/drawing/2014/main" xmlns="" id="{24BEF3F9-C81F-188D-B0D1-D2FB19626F5F}"/>
+                <a16:creationId xmlns="" xmlns:a16="http://schemas.microsoft.com/office/drawing/2014/main" id="{24BEF3F9-C81F-188D-B0D1-D2FB19626F5F}"/>
               </a:ext>
             </a:extLst>
           </p:cNvPr>
@@ -7976,7 +8050,7 @@
           <p:cNvPr id="11" name="Rectangle: Diagonal Corners Rounded 10">
             <a:extLst>
               <a:ext uri="{FF2B5EF4-FFF2-40B4-BE49-F238E27FC236}">
-                <a16:creationId xmlns:a16="http://schemas.microsoft.com/office/drawing/2014/main" xmlns="" id="{DF49B0BF-4FC0-CA95-E0E8-4B7BDBBCE9F3}"/>
+                <a16:creationId xmlns="" xmlns:a16="http://schemas.microsoft.com/office/drawing/2014/main" id="{DF49B0BF-4FC0-CA95-E0E8-4B7BDBBCE9F3}"/>
               </a:ext>
             </a:extLst>
           </p:cNvPr>
@@ -8022,7 +8096,7 @@
           <p:cNvPr id="13" name="TextBox 12">
             <a:extLst>
               <a:ext uri="{FF2B5EF4-FFF2-40B4-BE49-F238E27FC236}">
-                <a16:creationId xmlns:a16="http://schemas.microsoft.com/office/drawing/2014/main" xmlns="" id="{FD4637C9-FBD6-8009-8FD0-C363CE147992}"/>
+                <a16:creationId xmlns="" xmlns:a16="http://schemas.microsoft.com/office/drawing/2014/main" id="{FD4637C9-FBD6-8009-8FD0-C363CE147992}"/>
               </a:ext>
             </a:extLst>
           </p:cNvPr>
@@ -8593,7 +8667,7 @@
           <p:cNvPr id="9" name="TextBox 8">
             <a:extLst>
               <a:ext uri="{FF2B5EF4-FFF2-40B4-BE49-F238E27FC236}">
-                <a16:creationId xmlns:a16="http://schemas.microsoft.com/office/drawing/2014/main" xmlns="" id="{1564B50E-E621-7EE9-7D4D-9BAD7ED0D854}"/>
+                <a16:creationId xmlns="" xmlns:a16="http://schemas.microsoft.com/office/drawing/2014/main" id="{1564B50E-E621-7EE9-7D4D-9BAD7ED0D854}"/>
               </a:ext>
             </a:extLst>
           </p:cNvPr>
@@ -8703,7 +8777,7 @@
           <p:cNvPr id="10" name="TextBox 9">
             <a:extLst>
               <a:ext uri="{FF2B5EF4-FFF2-40B4-BE49-F238E27FC236}">
-                <a16:creationId xmlns:a16="http://schemas.microsoft.com/office/drawing/2014/main" xmlns="" id="{BFA356D1-3B33-6702-C634-FFE71DE4A770}"/>
+                <a16:creationId xmlns="" xmlns:a16="http://schemas.microsoft.com/office/drawing/2014/main" id="{BFA356D1-3B33-6702-C634-FFE71DE4A770}"/>
               </a:ext>
             </a:extLst>
           </p:cNvPr>
@@ -8784,28 +8858,6 @@
           <a:chExt cx="0" cy="0"/>
         </a:xfrm>
       </p:grpSpPr>
-      <p:pic>
-        <p:nvPicPr>
-          <p:cNvPr id="2" name="object 2"/>
-          <p:cNvPicPr/>
-          <p:nvPr/>
-        </p:nvPicPr>
-        <p:blipFill>
-          <a:blip r:embed="rId2" cstate="print"/>
-          <a:stretch>
-            <a:fillRect/>
-          </a:stretch>
-        </p:blipFill>
-        <p:spPr>
-          <a:xfrm>
-            <a:off x="0" y="1476375"/>
-            <a:ext cx="2695574" cy="3248025"/>
-          </a:xfrm>
-          <a:prstGeom prst="rect">
-            <a:avLst/>
-          </a:prstGeom>
-        </p:spPr>
-      </p:pic>
       <p:sp>
         <p:nvSpPr>
           <p:cNvPr id="3" name="object 3"/>
@@ -9185,7 +9237,7 @@
           <p:nvPr/>
         </p:nvPicPr>
         <p:blipFill>
-          <a:blip r:embed="rId3" cstate="print"/>
+          <a:blip r:embed="rId2" cstate="print"/>
           <a:stretch>
             <a:fillRect/>
           </a:stretch>
@@ -9381,7 +9433,7 @@
           <p:cNvPr id="10" name="Rectangle: Rounded Corners 9">
             <a:extLst>
               <a:ext uri="{FF2B5EF4-FFF2-40B4-BE49-F238E27FC236}">
-                <a16:creationId xmlns:a16="http://schemas.microsoft.com/office/drawing/2014/main" xmlns="" id="{EC69B772-D45C-22DA-2D6A-F57F53EFE983}"/>
+                <a16:creationId xmlns="" xmlns:a16="http://schemas.microsoft.com/office/drawing/2014/main" id="{EC69B772-D45C-22DA-2D6A-F57F53EFE983}"/>
               </a:ext>
             </a:extLst>
           </p:cNvPr>
@@ -9425,7 +9477,7 @@
           <p:cNvPr id="14" name="TextBox 13">
             <a:extLst>
               <a:ext uri="{FF2B5EF4-FFF2-40B4-BE49-F238E27FC236}">
-                <a16:creationId xmlns:a16="http://schemas.microsoft.com/office/drawing/2014/main" xmlns="" id="{E374CFAC-3040-6D8E-CC2F-FDE80DF71CCC}"/>
+                <a16:creationId xmlns="" xmlns:a16="http://schemas.microsoft.com/office/drawing/2014/main" id="{E374CFAC-3040-6D8E-CC2F-FDE80DF71CCC}"/>
               </a:ext>
             </a:extLst>
           </p:cNvPr>
@@ -9466,6 +9518,69 @@
           </a:p>
         </p:txBody>
       </p:sp>
+      <p:pic>
+        <p:nvPicPr>
+          <p:cNvPr id="1026" name="Picture 2"/>
+          <p:cNvPicPr>
+            <a:picLocks noChangeAspect="1" noChangeArrowheads="1"/>
+          </p:cNvPicPr>
+          <p:nvPr/>
+        </p:nvPicPr>
+        <p:blipFill>
+          <a:blip r:embed="rId3">
+            <a:extLst>
+              <a:ext uri="{28A0092B-C50C-407E-A947-70E740481C1C}">
+                <a14:useLocalDpi xmlns:a14="http://schemas.microsoft.com/office/drawing/2010/main" val="0"/>
+              </a:ext>
+            </a:extLst>
+          </a:blip>
+          <a:stretch>
+            <a:fillRect/>
+          </a:stretch>
+        </p:blipFill>
+        <p:spPr bwMode="auto">
+          <a:xfrm>
+            <a:off x="419587" y="2286000"/>
+            <a:ext cx="2381024" cy="3249613"/>
+          </a:xfrm>
+          <a:prstGeom prst="rect">
+            <a:avLst/>
+          </a:prstGeom>
+          <a:noFill/>
+          <a:ln>
+            <a:noFill/>
+          </a:ln>
+          <a:effectLst/>
+          <a:extLst>
+            <a:ext uri="{909E8E84-426E-40DD-AFC4-6F175D3DCCD1}">
+              <a14:hiddenFill xmlns:a14="http://schemas.microsoft.com/office/drawing/2010/main">
+                <a:solidFill>
+                  <a:schemeClr val="accent1"/>
+                </a:solidFill>
+              </a14:hiddenFill>
+            </a:ext>
+            <a:ext uri="{91240B29-F687-4F45-9708-019B960494DF}">
+              <a14:hiddenLine xmlns:a14="http://schemas.microsoft.com/office/drawing/2010/main" w="9525">
+                <a:solidFill>
+                  <a:schemeClr val="tx1"/>
+                </a:solidFill>
+                <a:miter lim="800000"/>
+                <a:headEnd/>
+                <a:tailEnd/>
+              </a14:hiddenLine>
+            </a:ext>
+            <a:ext uri="{AF507438-7753-43E0-B8FC-AC1667EBCBE1}">
+              <a14:hiddenEffects xmlns:a14="http://schemas.microsoft.com/office/drawing/2010/main">
+                <a:effectLst>
+                  <a:outerShdw dist="35921" dir="2700000" algn="ctr" rotWithShape="0">
+                    <a:schemeClr val="bg2"/>
+                  </a:outerShdw>
+                </a:effectLst>
+              </a14:hiddenEffects>
+            </a:ext>
+          </a:extLst>
+        </p:spPr>
+      </p:pic>
     </p:spTree>
   </p:cSld>
   <p:clrMapOvr>
@@ -9821,15 +9936,21 @@
           <p:nvPr/>
         </p:nvPicPr>
         <p:blipFill>
-          <a:blip r:embed="rId2" cstate="print"/>
+          <a:blip r:embed="rId2">
+            <a:extLst>
+              <a:ext uri="{28A0092B-C50C-407E-A947-70E740481C1C}">
+                <a14:useLocalDpi xmlns:a14="http://schemas.microsoft.com/office/drawing/2010/main" val="0"/>
+              </a:ext>
+            </a:extLst>
+          </a:blip>
           <a:stretch>
             <a:fillRect/>
           </a:stretch>
         </p:blipFill>
         <p:spPr>
           <a:xfrm>
-            <a:off x="66675" y="3381373"/>
-            <a:ext cx="2466975" cy="3419475"/>
+            <a:off x="-4175" y="3268788"/>
+            <a:ext cx="2466975" cy="3366917"/>
           </a:xfrm>
           <a:prstGeom prst="rect">
             <a:avLst/>
@@ -9960,7 +10081,7 @@
           <p:cNvPr id="11" name="Picture 10">
             <a:extLst>
               <a:ext uri="{FF2B5EF4-FFF2-40B4-BE49-F238E27FC236}">
-                <a16:creationId xmlns:a16="http://schemas.microsoft.com/office/drawing/2014/main" xmlns="" id="{9AEF52F2-30FE-05A6-24F8-B02B6303B519}"/>
+                <a16:creationId xmlns="" xmlns:a16="http://schemas.microsoft.com/office/drawing/2014/main" id="{9AEF52F2-30FE-05A6-24F8-B02B6303B519}"/>
               </a:ext>
             </a:extLst>
           </p:cNvPr>
@@ -9996,7 +10117,7 @@
           <p:cNvPr id="12" name="TextBox 11">
             <a:extLst>
               <a:ext uri="{FF2B5EF4-FFF2-40B4-BE49-F238E27FC236}">
-                <a16:creationId xmlns:a16="http://schemas.microsoft.com/office/drawing/2014/main" xmlns="" id="{CDBE3450-BDFF-2F8B-67C1-950C763A3C73}"/>
+                <a16:creationId xmlns="" xmlns:a16="http://schemas.microsoft.com/office/drawing/2014/main" id="{CDBE3450-BDFF-2F8B-67C1-950C763A3C73}"/>
               </a:ext>
             </a:extLst>
           </p:cNvPr>
@@ -10540,7 +10661,7 @@
           <p:cNvPr id="10" name="TextBox 9">
             <a:extLst>
               <a:ext uri="{FF2B5EF4-FFF2-40B4-BE49-F238E27FC236}">
-                <a16:creationId xmlns:a16="http://schemas.microsoft.com/office/drawing/2014/main" xmlns="" id="{891CD7D5-6B52-AE39-3DDB-372AA2D6130E}"/>
+                <a16:creationId xmlns="" xmlns:a16="http://schemas.microsoft.com/office/drawing/2014/main" id="{891CD7D5-6B52-AE39-3DDB-372AA2D6130E}"/>
               </a:ext>
             </a:extLst>
           </p:cNvPr>
@@ -10851,9 +10972,9 @@
 </file>
 
 <file path=ppt/theme/theme1.xml><?xml version="1.0" encoding="utf-8"?>
-<a:theme xmlns:a="http://schemas.openxmlformats.org/drawingml/2006/main" name="Apex">
+<a:theme xmlns:a="http://schemas.openxmlformats.org/drawingml/2006/main" name="Office Theme">
   <a:themeElements>
-    <a:clrScheme name="Apex">
+    <a:clrScheme name="Office">
       <a:dk1>
         <a:sysClr val="windowText" lastClr="000000"/>
       </a:dk1>
@@ -10861,87 +10982,48 @@
         <a:sysClr val="window" lastClr="FFFFFF"/>
       </a:lt1>
       <a:dk2>
-        <a:srgbClr val="69676D"/>
+        <a:srgbClr val="1F497D"/>
       </a:dk2>
       <a:lt2>
-        <a:srgbClr val="C9C2D1"/>
+        <a:srgbClr val="EEECE1"/>
       </a:lt2>
       <a:accent1>
-        <a:srgbClr val="CEB966"/>
+        <a:srgbClr val="4F81BD"/>
       </a:accent1>
       <a:accent2>
-        <a:srgbClr val="9CB084"/>
+        <a:srgbClr val="C0504D"/>
       </a:accent2>
       <a:accent3>
-        <a:srgbClr val="6BB1C9"/>
+        <a:srgbClr val="9BBB59"/>
       </a:accent3>
       <a:accent4>
-        <a:srgbClr val="6585CF"/>
+        <a:srgbClr val="8064A2"/>
       </a:accent4>
       <a:accent5>
-        <a:srgbClr val="7E6BC9"/>
+        <a:srgbClr val="4BACC6"/>
       </a:accent5>
       <a:accent6>
-        <a:srgbClr val="A379BB"/>
+        <a:srgbClr val="F79646"/>
       </a:accent6>
       <a:hlink>
-        <a:srgbClr val="410082"/>
+        <a:srgbClr val="0000FF"/>
       </a:hlink>
       <a:folHlink>
-        <a:srgbClr val="932968"/>
+        <a:srgbClr val="800080"/>
       </a:folHlink>
     </a:clrScheme>
-    <a:fontScheme name="Apex">
+    <a:fontScheme name="Office">
       <a:majorFont>
-        <a:latin typeface="Lucida Sans"/>
+        <a:latin typeface="Calibri"/>
         <a:ea typeface=""/>
         <a:cs typeface=""/>
-        <a:font script="Grek" typeface="Arial"/>
-        <a:font script="Cyrl" typeface="Arial"/>
-        <a:font script="Jpan" typeface="HG丸ｺﾞｼｯｸM-PRO"/>
-        <a:font script="Hang" typeface="휴먼옛체"/>
-        <a:font script="Hans" typeface="黑体"/>
-        <a:font script="Hant" typeface="微軟正黑體"/>
-        <a:font script="Arab" typeface="Tahoma"/>
-        <a:font script="Hebr" typeface="Levenim MT"/>
-        <a:font script="Thai" typeface="FreesiaUPC"/>
-        <a:font script="Ethi" typeface="Nyala"/>
-        <a:font script="Beng" typeface="Vrinda"/>
-        <a:font script="Gujr" typeface="Shruti"/>
-        <a:font script="Khmr" typeface="DaunPenh"/>
-        <a:font script="Knda" typeface="Tunga"/>
-        <a:font script="Guru" typeface="Raavi"/>
-        <a:font script="Cans" typeface="Euphemia"/>
-        <a:font script="Cher" typeface="Plantagenet Cherokee"/>
-        <a:font script="Yiii" typeface="Microsoft Yi Baiti"/>
-        <a:font script="Tibt" typeface="Microsoft Himalaya"/>
-        <a:font script="Thaa" typeface="MV Boli"/>
-        <a:font script="Deva" typeface="Mangal"/>
-        <a:font script="Telu" typeface="Gautami"/>
-        <a:font script="Taml" typeface="Latha"/>
-        <a:font script="Syrc" typeface="Estrangelo Edessa"/>
-        <a:font script="Orya" typeface="Kalinga"/>
-        <a:font script="Mlym" typeface="Kartika"/>
-        <a:font script="Laoo" typeface="DokChampa"/>
-        <a:font script="Sinh" typeface="Iskoola Pota"/>
-        <a:font script="Mong" typeface="Mongolian Baiti"/>
-        <a:font script="Viet" typeface="Tahoma"/>
-        <a:font script="Uigh" typeface="Microsoft Uighur"/>
-        <a:font script="Geor" typeface="Sylfaen"/>
-      </a:majorFont>
-      <a:minorFont>
-        <a:latin typeface="Book Antiqua"/>
-        <a:ea typeface=""/>
-        <a:cs typeface=""/>
-        <a:font script="Grek" typeface="Times New Roman"/>
-        <a:font script="Cyrl" typeface="Times New Roman"/>
-        <a:font script="Jpan" typeface="HG明朝B"/>
-        <a:font script="Hang" typeface="돋움"/>
+        <a:font script="Jpan" typeface="ＭＳ Ｐゴシック"/>
+        <a:font script="Hang" typeface="맑은 고딕"/>
         <a:font script="Hans" typeface="宋体"/>
         <a:font script="Hant" typeface="新細明體"/>
         <a:font script="Arab" typeface="Times New Roman"/>
-        <a:font script="Hebr" typeface="David"/>
-        <a:font script="Thai" typeface="EucrosiaUPC"/>
+        <a:font script="Hebr" typeface="Times New Roman"/>
+        <a:font script="Thai" typeface="Angsana New"/>
         <a:font script="Ethi" typeface="Nyala"/>
         <a:font script="Beng" typeface="Vrinda"/>
         <a:font script="Gujr" typeface="Shruti"/>
@@ -10965,75 +11047,101 @@
         <a:font script="Viet" typeface="Times New Roman"/>
         <a:font script="Uigh" typeface="Microsoft Uighur"/>
         <a:font script="Geor" typeface="Sylfaen"/>
+      </a:majorFont>
+      <a:minorFont>
+        <a:latin typeface="Calibri"/>
+        <a:ea typeface=""/>
+        <a:cs typeface=""/>
+        <a:font script="Jpan" typeface="ＭＳ Ｐゴシック"/>
+        <a:font script="Hang" typeface="맑은 고딕"/>
+        <a:font script="Hans" typeface="宋体"/>
+        <a:font script="Hant" typeface="新細明體"/>
+        <a:font script="Arab" typeface="Arial"/>
+        <a:font script="Hebr" typeface="Arial"/>
+        <a:font script="Thai" typeface="Cordia New"/>
+        <a:font script="Ethi" typeface="Nyala"/>
+        <a:font script="Beng" typeface="Vrinda"/>
+        <a:font script="Gujr" typeface="Shruti"/>
+        <a:font script="Khmr" typeface="DaunPenh"/>
+        <a:font script="Knda" typeface="Tunga"/>
+        <a:font script="Guru" typeface="Raavi"/>
+        <a:font script="Cans" typeface="Euphemia"/>
+        <a:font script="Cher" typeface="Plantagenet Cherokee"/>
+        <a:font script="Yiii" typeface="Microsoft Yi Baiti"/>
+        <a:font script="Tibt" typeface="Microsoft Himalaya"/>
+        <a:font script="Thaa" typeface="MV Boli"/>
+        <a:font script="Deva" typeface="Mangal"/>
+        <a:font script="Telu" typeface="Gautami"/>
+        <a:font script="Taml" typeface="Latha"/>
+        <a:font script="Syrc" typeface="Estrangelo Edessa"/>
+        <a:font script="Orya" typeface="Kalinga"/>
+        <a:font script="Mlym" typeface="Kartika"/>
+        <a:font script="Laoo" typeface="DokChampa"/>
+        <a:font script="Sinh" typeface="Iskoola Pota"/>
+        <a:font script="Mong" typeface="Mongolian Baiti"/>
+        <a:font script="Viet" typeface="Arial"/>
+        <a:font script="Uigh" typeface="Microsoft Uighur"/>
+        <a:font script="Geor" typeface="Sylfaen"/>
       </a:minorFont>
     </a:fontScheme>
-    <a:fmtScheme name="Apex">
+    <a:fmtScheme name="Office">
       <a:fillStyleLst>
         <a:solidFill>
           <a:schemeClr val="phClr"/>
         </a:solidFill>
         <a:gradFill rotWithShape="1">
           <a:gsLst>
-            <a:gs pos="20000">
+            <a:gs pos="0">
               <a:schemeClr val="phClr">
-                <a:tint val="9000"/>
+                <a:tint val="50000"/>
+                <a:satMod val="300000"/>
+              </a:schemeClr>
+            </a:gs>
+            <a:gs pos="35000">
+              <a:schemeClr val="phClr">
+                <a:tint val="37000"/>
+                <a:satMod val="300000"/>
               </a:schemeClr>
             </a:gs>
             <a:gs pos="100000">
               <a:schemeClr val="phClr">
-                <a:tint val="70000"/>
-                <a:satMod val="100000"/>
+                <a:tint val="15000"/>
+                <a:satMod val="350000"/>
               </a:schemeClr>
             </a:gs>
           </a:gsLst>
-          <a:path path="circle">
-            <a:fillToRect l="-15000" t="-15000" r="115000" b="115000"/>
-          </a:path>
+          <a:lin ang="16200000" scaled="1"/>
         </a:gradFill>
         <a:gradFill rotWithShape="1">
           <a:gsLst>
             <a:gs pos="0">
               <a:schemeClr val="phClr">
-                <a:shade val="60000"/>
+                <a:shade val="51000"/>
+                <a:satMod val="130000"/>
               </a:schemeClr>
             </a:gs>
-            <a:gs pos="33000">
+            <a:gs pos="80000">
               <a:schemeClr val="phClr">
-                <a:tint val="86500"/>
-              </a:schemeClr>
-            </a:gs>
-            <a:gs pos="46750">
-              <a:schemeClr val="phClr">
-                <a:tint val="71000"/>
-                <a:satMod val="112000"/>
-              </a:schemeClr>
-            </a:gs>
-            <a:gs pos="53000">
-              <a:schemeClr val="phClr">
-                <a:tint val="71000"/>
-                <a:satMod val="112000"/>
-              </a:schemeClr>
-            </a:gs>
-            <a:gs pos="68000">
-              <a:schemeClr val="phClr">
-                <a:tint val="86000"/>
+                <a:shade val="93000"/>
+                <a:satMod val="130000"/>
               </a:schemeClr>
             </a:gs>
             <a:gs pos="100000">
               <a:schemeClr val="phClr">
-                <a:shade val="60000"/>
+                <a:shade val="94000"/>
+                <a:satMod val="135000"/>
               </a:schemeClr>
             </a:gs>
           </a:gsLst>
-          <a:lin ang="8350000" scaled="1"/>
+          <a:lin ang="16200000" scaled="0"/>
         </a:gradFill>
       </a:fillStyleLst>
       <a:lnStyleLst>
         <a:ln w="9525" cap="flat" cmpd="sng" algn="ctr">
           <a:solidFill>
             <a:schemeClr val="phClr">
-              <a:shade val="48000"/>
-              <a:satMod val="110000"/>
+              <a:shade val="95000"/>
+              <a:satMod val="105000"/>
             </a:schemeClr>
           </a:solidFill>
           <a:prstDash val="solid"/>
@@ -11054,7 +11162,16 @@
       <a:effectStyleLst>
         <a:effectStyle>
           <a:effectLst>
-            <a:outerShdw blurRad="130000" dist="101600" dir="2700000" algn="tl" rotWithShape="0">
+            <a:outerShdw blurRad="40000" dist="20000" dir="5400000" rotWithShape="0">
+              <a:srgbClr val="000000">
+                <a:alpha val="38000"/>
+              </a:srgbClr>
+            </a:outerShdw>
+          </a:effectLst>
+        </a:effectStyle>
+        <a:effectStyle>
+          <a:effectLst>
+            <a:outerShdw blurRad="40000" dist="23000" dir="5400000" rotWithShape="0">
               <a:srgbClr val="000000">
                 <a:alpha val="35000"/>
               </a:srgbClr>
@@ -11063,31 +11180,22 @@
         </a:effectStyle>
         <a:effectStyle>
           <a:effectLst>
-            <a:outerShdw blurRad="190500" dist="228600" dir="2700000" sy="90000" rotWithShape="0">
+            <a:outerShdw blurRad="40000" dist="23000" dir="5400000" rotWithShape="0">
               <a:srgbClr val="000000">
-                <a:alpha val="25500"/>
-              </a:srgbClr>
-            </a:outerShdw>
-          </a:effectLst>
-        </a:effectStyle>
-        <a:effectStyle>
-          <a:effectLst>
-            <a:outerShdw blurRad="190500" dist="228600" dir="2700000" sy="90000" rotWithShape="0">
-              <a:srgbClr val="000000">
-                <a:alpha val="25500"/>
+                <a:alpha val="35000"/>
               </a:srgbClr>
             </a:outerShdw>
           </a:effectLst>
           <a:scene3d>
-            <a:camera prst="orthographicFront" fov="0">
+            <a:camera prst="orthographicFront">
               <a:rot lat="0" lon="0" rev="0"/>
             </a:camera>
-            <a:lightRig rig="soft" dir="tl">
-              <a:rot lat="0" lon="0" rev="20100000"/>
+            <a:lightRig rig="threePt" dir="t">
+              <a:rot lat="0" lon="0" rev="1200000"/>
             </a:lightRig>
           </a:scene3d>
           <a:sp3d>
-            <a:bevelT w="50800" h="50800"/>
+            <a:bevelT w="63500" h="25400"/>
           </a:sp3d>
         </a:effectStyle>
       </a:effectStyleLst>
@@ -11099,38 +11207,47 @@
           <a:gsLst>
             <a:gs pos="0">
               <a:schemeClr val="phClr">
-                <a:tint val="50000"/>
-                <a:satMod val="180000"/>
+                <a:tint val="40000"/>
+                <a:satMod val="350000"/>
+              </a:schemeClr>
+            </a:gs>
+            <a:gs pos="40000">
+              <a:schemeClr val="phClr">
+                <a:tint val="45000"/>
+                <a:shade val="99000"/>
+                <a:satMod val="350000"/>
               </a:schemeClr>
             </a:gs>
             <a:gs pos="100000">
               <a:schemeClr val="phClr">
-                <a:shade val="45000"/>
-                <a:satMod val="120000"/>
+                <a:shade val="20000"/>
+                <a:satMod val="255000"/>
               </a:schemeClr>
             </a:gs>
           </a:gsLst>
           <a:path path="circle">
-            <a:fillToRect r="100000" b="100000"/>
+            <a:fillToRect l="50000" t="-80000" r="50000" b="180000"/>
           </a:path>
         </a:gradFill>
-        <a:blipFill>
-          <a:blip xmlns:r="http://schemas.openxmlformats.org/officeDocument/2006/relationships" r:embed="rId1">
-            <a:duotone>
+        <a:gradFill rotWithShape="1">
+          <a:gsLst>
+            <a:gs pos="0">
               <a:schemeClr val="phClr">
-                <a:shade val="3000"/>
-                <a:satMod val="110000"/>
+                <a:tint val="80000"/>
+                <a:satMod val="300000"/>
               </a:schemeClr>
+            </a:gs>
+            <a:gs pos="100000">
               <a:schemeClr val="phClr">
-                <a:tint val="60000"/>
-                <a:satMod val="425000"/>
+                <a:shade val="30000"/>
+                <a:satMod val="200000"/>
               </a:schemeClr>
-            </a:duotone>
-          </a:blip>
-          <a:stretch>
-            <a:fillRect/>
-          </a:stretch>
-        </a:blipFill>
+            </a:gs>
+          </a:gsLst>
+          <a:path path="circle">
+            <a:fillToRect l="50000" t="50000" r="50000" b="50000"/>
+          </a:path>
+        </a:gradFill>
       </a:bgFillStyleLst>
     </a:fmtScheme>
   </a:themeElements>
